--- a/doc/GR5243 pro4.pptx
+++ b/doc/GR5243 pro4.pptx
@@ -6,7 +6,7 @@
     <p:sldMasterId id="2147483649" r:id="rId2"/>
   </p:sldMasterIdLst>
   <p:notesMasterIdLst>
-    <p:notesMasterId r:id="rId25"/>
+    <p:notesMasterId r:id="rId24"/>
   </p:notesMasterIdLst>
   <p:sldIdLst>
     <p:sldId id="298" r:id="rId3"/>
@@ -28,9 +28,8 @@
     <p:sldId id="316" r:id="rId19"/>
     <p:sldId id="318" r:id="rId20"/>
     <p:sldId id="302" r:id="rId21"/>
-    <p:sldId id="303" r:id="rId22"/>
-    <p:sldId id="301" r:id="rId23"/>
-    <p:sldId id="319" r:id="rId24"/>
+    <p:sldId id="301" r:id="rId22"/>
+    <p:sldId id="319" r:id="rId23"/>
   </p:sldIdLst>
   <p:sldSz cx="9144000" cy="6858000" type="screen4x3"/>
   <p:notesSz cx="7010400" cy="9296400"/>
@@ -222,7 +221,7 @@
           <p:cNvPr id="3074" name="Rectangle 2">
             <a:extLst>
               <a:ext uri="{FF2B5EF4-FFF2-40B4-BE49-F238E27FC236}">
-                <a16:creationId xmlns:a16="http://schemas.microsoft.com/office/drawing/2014/main" xmlns="" id="{EEE989EB-45A4-4865-8726-A13FD1852CCF}"/>
+                <a16:creationId xmlns="" xmlns:a16="http://schemas.microsoft.com/office/drawing/2014/main" id="{EEE989EB-45A4-4865-8726-A13FD1852CCF}"/>
               </a:ext>
             </a:extLst>
           </p:cNvPr>
@@ -277,7 +276,7 @@
           <p:cNvPr id="3075" name="Rectangle 3">
             <a:extLst>
               <a:ext uri="{FF2B5EF4-FFF2-40B4-BE49-F238E27FC236}">
-                <a16:creationId xmlns:a16="http://schemas.microsoft.com/office/drawing/2014/main" xmlns="" id="{131FA17A-806F-40EE-AD8E-8EB10B01CF8D}"/>
+                <a16:creationId xmlns="" xmlns:a16="http://schemas.microsoft.com/office/drawing/2014/main" id="{131FA17A-806F-40EE-AD8E-8EB10B01CF8D}"/>
               </a:ext>
             </a:extLst>
           </p:cNvPr>
@@ -332,7 +331,7 @@
           <p:cNvPr id="3076" name="Rectangle 4">
             <a:extLst>
               <a:ext uri="{FF2B5EF4-FFF2-40B4-BE49-F238E27FC236}">
-                <a16:creationId xmlns:a16="http://schemas.microsoft.com/office/drawing/2014/main" xmlns="" id="{20A6DBC7-3EAF-46EF-A5E7-4482793D6C1F}"/>
+                <a16:creationId xmlns="" xmlns:a16="http://schemas.microsoft.com/office/drawing/2014/main" id="{20A6DBC7-3EAF-46EF-A5E7-4482793D6C1F}"/>
               </a:ext>
             </a:extLst>
           </p:cNvPr>
@@ -376,7 +375,7 @@
           <p:cNvPr id="3077" name="Rectangle 5">
             <a:extLst>
               <a:ext uri="{FF2B5EF4-FFF2-40B4-BE49-F238E27FC236}">
-                <a16:creationId xmlns:a16="http://schemas.microsoft.com/office/drawing/2014/main" xmlns="" id="{E1EF692F-2959-433F-99B4-A138B0032444}"/>
+                <a16:creationId xmlns="" xmlns:a16="http://schemas.microsoft.com/office/drawing/2014/main" id="{E1EF692F-2959-433F-99B4-A138B0032444}"/>
               </a:ext>
             </a:extLst>
           </p:cNvPr>
@@ -453,7 +452,7 @@
           <p:cNvPr id="3078" name="Rectangle 6">
             <a:extLst>
               <a:ext uri="{FF2B5EF4-FFF2-40B4-BE49-F238E27FC236}">
-                <a16:creationId xmlns:a16="http://schemas.microsoft.com/office/drawing/2014/main" xmlns="" id="{61AB383F-FC50-49D8-9E58-FDBD2685246D}"/>
+                <a16:creationId xmlns="" xmlns:a16="http://schemas.microsoft.com/office/drawing/2014/main" id="{61AB383F-FC50-49D8-9E58-FDBD2685246D}"/>
               </a:ext>
             </a:extLst>
           </p:cNvPr>
@@ -508,7 +507,7 @@
           <p:cNvPr id="3079" name="Rectangle 7">
             <a:extLst>
               <a:ext uri="{FF2B5EF4-FFF2-40B4-BE49-F238E27FC236}">
-                <a16:creationId xmlns:a16="http://schemas.microsoft.com/office/drawing/2014/main" xmlns="" id="{A67FD132-7572-4F97-8C87-E22A1B7AFFA9}"/>
+                <a16:creationId xmlns="" xmlns:a16="http://schemas.microsoft.com/office/drawing/2014/main" id="{A67FD132-7572-4F97-8C87-E22A1B7AFFA9}"/>
               </a:ext>
             </a:extLst>
           </p:cNvPr>
@@ -715,7 +714,7 @@
           <p:cNvPr id="5121" name="Rectangle 7">
             <a:extLst>
               <a:ext uri="{FF2B5EF4-FFF2-40B4-BE49-F238E27FC236}">
-                <a16:creationId xmlns:a16="http://schemas.microsoft.com/office/drawing/2014/main" xmlns="" id="{9F1AF9A5-B048-4420-81A8-BBF2322834D3}"/>
+                <a16:creationId xmlns="" xmlns:a16="http://schemas.microsoft.com/office/drawing/2014/main" id="{9F1AF9A5-B048-4420-81A8-BBF2322834D3}"/>
               </a:ext>
             </a:extLst>
           </p:cNvPr>
@@ -897,7 +896,7 @@
           <p:cNvPr id="5122" name="Rectangle 2">
             <a:extLst>
               <a:ext uri="{FF2B5EF4-FFF2-40B4-BE49-F238E27FC236}">
-                <a16:creationId xmlns:a16="http://schemas.microsoft.com/office/drawing/2014/main" xmlns="" id="{64B3B10B-73D2-44C2-BC67-B0ECB8DDDE8B}"/>
+                <a16:creationId xmlns="" xmlns:a16="http://schemas.microsoft.com/office/drawing/2014/main" id="{64B3B10B-73D2-44C2-BC67-B0ECB8DDDE8B}"/>
               </a:ext>
             </a:extLst>
           </p:cNvPr>
@@ -917,7 +916,7 @@
           <p:cNvPr id="5123" name="Rectangle 3">
             <a:extLst>
               <a:ext uri="{FF2B5EF4-FFF2-40B4-BE49-F238E27FC236}">
-                <a16:creationId xmlns:a16="http://schemas.microsoft.com/office/drawing/2014/main" xmlns="" id="{C10A86C0-3F3F-4705-BE27-36D8205F40AF}"/>
+                <a16:creationId xmlns="" xmlns:a16="http://schemas.microsoft.com/office/drawing/2014/main" id="{C10A86C0-3F3F-4705-BE27-36D8205F40AF}"/>
               </a:ext>
             </a:extLst>
           </p:cNvPr>
@@ -4982,7 +4981,7 @@
           <p:cNvPr id="1029" name="Rectangle 4">
             <a:extLst>
               <a:ext uri="{FF2B5EF4-FFF2-40B4-BE49-F238E27FC236}">
-                <a16:creationId xmlns:a16="http://schemas.microsoft.com/office/drawing/2014/main" xmlns="" id="{9AA5B248-9447-4798-9234-B0A7AF4D49DB}"/>
+                <a16:creationId xmlns="" xmlns:a16="http://schemas.microsoft.com/office/drawing/2014/main" id="{9AA5B248-9447-4798-9234-B0A7AF4D49DB}"/>
               </a:ext>
             </a:extLst>
           </p:cNvPr>
@@ -5033,7 +5032,7 @@
           <p:cNvPr id="1027" name="Picture 6">
             <a:extLst>
               <a:ext uri="{FF2B5EF4-FFF2-40B4-BE49-F238E27FC236}">
-                <a16:creationId xmlns:a16="http://schemas.microsoft.com/office/drawing/2014/main" xmlns="" id="{114438BF-653C-434C-815B-58822BB124C6}"/>
+                <a16:creationId xmlns="" xmlns:a16="http://schemas.microsoft.com/office/drawing/2014/main" id="{114438BF-653C-434C-815B-58822BB124C6}"/>
               </a:ext>
             </a:extLst>
           </p:cNvPr>
@@ -5519,7 +5518,7 @@
           <p:cNvPr id="2050" name="Picture 8" descr="CU_NYtraditionacrown">
             <a:extLst>
               <a:ext uri="{FF2B5EF4-FFF2-40B4-BE49-F238E27FC236}">
-                <a16:creationId xmlns:a16="http://schemas.microsoft.com/office/drawing/2014/main" xmlns="" id="{B01742CE-7BB6-44B7-A8B0-E0948CF059EB}"/>
+                <a16:creationId xmlns="" xmlns:a16="http://schemas.microsoft.com/office/drawing/2014/main" id="{B01742CE-7BB6-44B7-A8B0-E0948CF059EB}"/>
               </a:ext>
             </a:extLst>
           </p:cNvPr>
@@ -5997,7 +5996,7 @@
           <p:cNvPr id="2" name="Title 1">
             <a:extLst>
               <a:ext uri="{FF2B5EF4-FFF2-40B4-BE49-F238E27FC236}">
-                <a16:creationId xmlns:a16="http://schemas.microsoft.com/office/drawing/2014/main" xmlns="" id="{5DA16C44-6B0E-44FE-A10E-512CDE322B8B}"/>
+                <a16:creationId xmlns="" xmlns:a16="http://schemas.microsoft.com/office/drawing/2014/main" id="{5DA16C44-6B0E-44FE-A10E-512CDE322B8B}"/>
               </a:ext>
             </a:extLst>
           </p:cNvPr>
@@ -6194,7 +6193,7 @@
           <p:cNvPr id="3" name="Subtitle 2">
             <a:extLst>
               <a:ext uri="{FF2B5EF4-FFF2-40B4-BE49-F238E27FC236}">
-                <a16:creationId xmlns:a16="http://schemas.microsoft.com/office/drawing/2014/main" xmlns="" id="{5DF6BF43-F0D1-46D4-A78A-6D397991EBAA}"/>
+                <a16:creationId xmlns="" xmlns:a16="http://schemas.microsoft.com/office/drawing/2014/main" id="{5DF6BF43-F0D1-46D4-A78A-6D397991EBAA}"/>
               </a:ext>
             </a:extLst>
           </p:cNvPr>
@@ -6430,7 +6429,7 @@
           <p:cNvPr id="4" name="TextBox 3">
             <a:extLst>
               <a:ext uri="{FF2B5EF4-FFF2-40B4-BE49-F238E27FC236}">
-                <a16:creationId xmlns:a16="http://schemas.microsoft.com/office/drawing/2014/main" xmlns="" id="{FECE2794-4047-440A-B98E-A0EABB011CE5}"/>
+                <a16:creationId xmlns="" xmlns:a16="http://schemas.microsoft.com/office/drawing/2014/main" id="{FECE2794-4047-440A-B98E-A0EABB011CE5}"/>
               </a:ext>
             </a:extLst>
           </p:cNvPr>
@@ -6492,7 +6491,7 @@
           <p:cNvPr id="2" name="Content Placeholder 1">
             <a:extLst>
               <a:ext uri="{FF2B5EF4-FFF2-40B4-BE49-F238E27FC236}">
-                <a16:creationId xmlns:a16="http://schemas.microsoft.com/office/drawing/2014/main" xmlns="" id="{5AAFBC28-5799-46E6-A5E4-C246C406ED5D}"/>
+                <a16:creationId xmlns="" xmlns:a16="http://schemas.microsoft.com/office/drawing/2014/main" id="{5AAFBC28-5799-46E6-A5E4-C246C406ED5D}"/>
               </a:ext>
             </a:extLst>
           </p:cNvPr>
@@ -6620,7 +6619,7 @@
           <p:cNvPr id="3" name="Picture 2">
             <a:extLst>
               <a:ext uri="{FF2B5EF4-FFF2-40B4-BE49-F238E27FC236}">
-                <a16:creationId xmlns:a16="http://schemas.microsoft.com/office/drawing/2014/main" xmlns="" id="{70EDDD02-BE51-497E-9B70-5046679FA7B7}"/>
+                <a16:creationId xmlns="" xmlns:a16="http://schemas.microsoft.com/office/drawing/2014/main" id="{70EDDD02-BE51-497E-9B70-5046679FA7B7}"/>
               </a:ext>
             </a:extLst>
           </p:cNvPr>
@@ -6650,7 +6649,7 @@
           <p:cNvPr id="4" name="Arrow: Down 3">
             <a:extLst>
               <a:ext uri="{FF2B5EF4-FFF2-40B4-BE49-F238E27FC236}">
-                <a16:creationId xmlns:a16="http://schemas.microsoft.com/office/drawing/2014/main" xmlns="" id="{338FAA38-E158-4596-92D8-01DBF9CE4B67}"/>
+                <a16:creationId xmlns="" xmlns:a16="http://schemas.microsoft.com/office/drawing/2014/main" id="{338FAA38-E158-4596-92D8-01DBF9CE4B67}"/>
               </a:ext>
             </a:extLst>
           </p:cNvPr>
@@ -6701,7 +6700,7 @@
           <p:cNvPr id="5" name="TextBox 4">
             <a:extLst>
               <a:ext uri="{FF2B5EF4-FFF2-40B4-BE49-F238E27FC236}">
-                <a16:creationId xmlns:a16="http://schemas.microsoft.com/office/drawing/2014/main" xmlns="" id="{4099D268-D07A-40DA-B058-96E14E028668}"/>
+                <a16:creationId xmlns="" xmlns:a16="http://schemas.microsoft.com/office/drawing/2014/main" id="{4099D268-D07A-40DA-B058-96E14E028668}"/>
               </a:ext>
             </a:extLst>
           </p:cNvPr>
@@ -6740,7 +6739,7 @@
           <p:cNvPr id="8" name="Group 7">
             <a:extLst>
               <a:ext uri="{FF2B5EF4-FFF2-40B4-BE49-F238E27FC236}">
-                <a16:creationId xmlns:a16="http://schemas.microsoft.com/office/drawing/2014/main" xmlns="" id="{AFA08FC2-6D0D-4F15-B803-F6A8A4951C26}"/>
+                <a16:creationId xmlns="" xmlns:a16="http://schemas.microsoft.com/office/drawing/2014/main" id="{AFA08FC2-6D0D-4F15-B803-F6A8A4951C26}"/>
               </a:ext>
             </a:extLst>
           </p:cNvPr>
@@ -6760,7 +6759,7 @@
             <p:cNvPr id="6" name="Picture 5">
               <a:extLst>
                 <a:ext uri="{FF2B5EF4-FFF2-40B4-BE49-F238E27FC236}">
-                  <a16:creationId xmlns:a16="http://schemas.microsoft.com/office/drawing/2014/main" xmlns="" id="{4594120B-11CC-4C4E-93EF-31F56910D29C}"/>
+                  <a16:creationId xmlns="" xmlns:a16="http://schemas.microsoft.com/office/drawing/2014/main" id="{4594120B-11CC-4C4E-93EF-31F56910D29C}"/>
                 </a:ext>
               </a:extLst>
             </p:cNvPr>
@@ -6790,7 +6789,7 @@
             <p:cNvPr id="7" name="TextBox 6">
               <a:extLst>
                 <a:ext uri="{FF2B5EF4-FFF2-40B4-BE49-F238E27FC236}">
-                  <a16:creationId xmlns:a16="http://schemas.microsoft.com/office/drawing/2014/main" xmlns="" id="{9D498D0D-B4DB-4165-A64F-AB3EF9CF0988}"/>
+                  <a16:creationId xmlns="" xmlns:a16="http://schemas.microsoft.com/office/drawing/2014/main" id="{9D498D0D-B4DB-4165-A64F-AB3EF9CF0988}"/>
                 </a:ext>
               </a:extLst>
             </p:cNvPr>
@@ -6860,7 +6859,7 @@
           <p:cNvPr id="2" name="Content Placeholder 1">
             <a:extLst>
               <a:ext uri="{FF2B5EF4-FFF2-40B4-BE49-F238E27FC236}">
-                <a16:creationId xmlns:a16="http://schemas.microsoft.com/office/drawing/2014/main" xmlns="" id="{A247519D-0913-4560-AD64-C44951BC3363}"/>
+                <a16:creationId xmlns="" xmlns:a16="http://schemas.microsoft.com/office/drawing/2014/main" id="{A247519D-0913-4560-AD64-C44951BC3363}"/>
               </a:ext>
             </a:extLst>
           </p:cNvPr>
@@ -6926,7 +6925,7 @@
           <p:cNvPr id="7" name="Group 6">
             <a:extLst>
               <a:ext uri="{FF2B5EF4-FFF2-40B4-BE49-F238E27FC236}">
-                <a16:creationId xmlns:a16="http://schemas.microsoft.com/office/drawing/2014/main" xmlns="" id="{BDCE716A-16D6-432D-9C88-45EE28CFABE4}"/>
+                <a16:creationId xmlns="" xmlns:a16="http://schemas.microsoft.com/office/drawing/2014/main" id="{BDCE716A-16D6-432D-9C88-45EE28CFABE4}"/>
               </a:ext>
             </a:extLst>
           </p:cNvPr>
@@ -6946,7 +6945,7 @@
             <p:cNvPr id="5" name="Group 4">
               <a:extLst>
                 <a:ext uri="{FF2B5EF4-FFF2-40B4-BE49-F238E27FC236}">
-                  <a16:creationId xmlns:a16="http://schemas.microsoft.com/office/drawing/2014/main" xmlns="" id="{3D82CF4F-0009-4718-AE68-82A4257F6A84}"/>
+                  <a16:creationId xmlns="" xmlns:a16="http://schemas.microsoft.com/office/drawing/2014/main" id="{3D82CF4F-0009-4718-AE68-82A4257F6A84}"/>
                 </a:ext>
               </a:extLst>
             </p:cNvPr>
@@ -6966,7 +6965,7 @@
               <p:cNvPr id="3" name="Picture 2">
                 <a:extLst>
                   <a:ext uri="{FF2B5EF4-FFF2-40B4-BE49-F238E27FC236}">
-                    <a16:creationId xmlns:a16="http://schemas.microsoft.com/office/drawing/2014/main" xmlns="" id="{6ED13E9B-4D61-4353-81B5-824A713095D7}"/>
+                    <a16:creationId xmlns="" xmlns:a16="http://schemas.microsoft.com/office/drawing/2014/main" id="{6ED13E9B-4D61-4353-81B5-824A713095D7}"/>
                   </a:ext>
                 </a:extLst>
               </p:cNvPr>
@@ -6996,7 +6995,7 @@
               <p:cNvPr id="4" name="Picture 3">
                 <a:extLst>
                   <a:ext uri="{FF2B5EF4-FFF2-40B4-BE49-F238E27FC236}">
-                    <a16:creationId xmlns:a16="http://schemas.microsoft.com/office/drawing/2014/main" xmlns="" id="{CE160FD3-E2FB-4C67-88E8-97526000358B}"/>
+                    <a16:creationId xmlns="" xmlns:a16="http://schemas.microsoft.com/office/drawing/2014/main" id="{CE160FD3-E2FB-4C67-88E8-97526000358B}"/>
                   </a:ext>
                 </a:extLst>
               </p:cNvPr>
@@ -7027,7 +7026,7 @@
             <p:cNvPr id="6" name="Picture 5">
               <a:extLst>
                 <a:ext uri="{FF2B5EF4-FFF2-40B4-BE49-F238E27FC236}">
-                  <a16:creationId xmlns:a16="http://schemas.microsoft.com/office/drawing/2014/main" xmlns="" id="{3FD86E2C-4FB8-444E-B6CB-D0BCF3A4B323}"/>
+                  <a16:creationId xmlns="" xmlns:a16="http://schemas.microsoft.com/office/drawing/2014/main" id="{3FD86E2C-4FB8-444E-B6CB-D0BCF3A4B323}"/>
                 </a:ext>
               </a:extLst>
             </p:cNvPr>
@@ -7058,7 +7057,7 @@
           <p:cNvPr id="11" name="Group 10">
             <a:extLst>
               <a:ext uri="{FF2B5EF4-FFF2-40B4-BE49-F238E27FC236}">
-                <a16:creationId xmlns:a16="http://schemas.microsoft.com/office/drawing/2014/main" xmlns="" id="{F21B6F9C-ACCB-4769-85D6-A24F94DF9F08}"/>
+                <a16:creationId xmlns="" xmlns:a16="http://schemas.microsoft.com/office/drawing/2014/main" id="{F21B6F9C-ACCB-4769-85D6-A24F94DF9F08}"/>
               </a:ext>
             </a:extLst>
           </p:cNvPr>
@@ -7078,7 +7077,7 @@
             <p:cNvPr id="9" name="Picture 8">
               <a:extLst>
                 <a:ext uri="{FF2B5EF4-FFF2-40B4-BE49-F238E27FC236}">
-                  <a16:creationId xmlns:a16="http://schemas.microsoft.com/office/drawing/2014/main" xmlns="" id="{FF68A088-BC4A-4DAE-B571-D71C105D6935}"/>
+                  <a16:creationId xmlns="" xmlns:a16="http://schemas.microsoft.com/office/drawing/2014/main" id="{FF68A088-BC4A-4DAE-B571-D71C105D6935}"/>
                 </a:ext>
               </a:extLst>
             </p:cNvPr>
@@ -7108,7 +7107,7 @@
             <p:cNvPr id="10" name="Picture 9">
               <a:extLst>
                 <a:ext uri="{FF2B5EF4-FFF2-40B4-BE49-F238E27FC236}">
-                  <a16:creationId xmlns:a16="http://schemas.microsoft.com/office/drawing/2014/main" xmlns="" id="{DD47BCC8-6EFB-4A75-A064-83AACC67091A}"/>
+                  <a16:creationId xmlns="" xmlns:a16="http://schemas.microsoft.com/office/drawing/2014/main" id="{DD47BCC8-6EFB-4A75-A064-83AACC67091A}"/>
                 </a:ext>
               </a:extLst>
             </p:cNvPr>
@@ -7139,7 +7138,7 @@
           <p:cNvPr id="13" name="Arrow: Down 12">
             <a:extLst>
               <a:ext uri="{FF2B5EF4-FFF2-40B4-BE49-F238E27FC236}">
-                <a16:creationId xmlns:a16="http://schemas.microsoft.com/office/drawing/2014/main" xmlns="" id="{FF8FCB9E-86A3-4E56-A2DB-979F685E6436}"/>
+                <a16:creationId xmlns="" xmlns:a16="http://schemas.microsoft.com/office/drawing/2014/main" id="{FF8FCB9E-86A3-4E56-A2DB-979F685E6436}"/>
               </a:ext>
             </a:extLst>
           </p:cNvPr>
@@ -7190,7 +7189,7 @@
           <p:cNvPr id="14" name="TextBox 13">
             <a:extLst>
               <a:ext uri="{FF2B5EF4-FFF2-40B4-BE49-F238E27FC236}">
-                <a16:creationId xmlns:a16="http://schemas.microsoft.com/office/drawing/2014/main" xmlns="" id="{BCCF970A-3425-4434-B04A-FDB352BF1E84}"/>
+                <a16:creationId xmlns="" xmlns:a16="http://schemas.microsoft.com/office/drawing/2014/main" id="{BCCF970A-3425-4434-B04A-FDB352BF1E84}"/>
               </a:ext>
             </a:extLst>
           </p:cNvPr>
@@ -7225,7 +7224,7 @@
           <p:cNvPr id="15" name="TextBox 14">
             <a:extLst>
               <a:ext uri="{FF2B5EF4-FFF2-40B4-BE49-F238E27FC236}">
-                <a16:creationId xmlns:a16="http://schemas.microsoft.com/office/drawing/2014/main" xmlns="" id="{5240C373-3040-40BA-AEEC-44489D5F2BEA}"/>
+                <a16:creationId xmlns="" xmlns:a16="http://schemas.microsoft.com/office/drawing/2014/main" id="{5240C373-3040-40BA-AEEC-44489D5F2BEA}"/>
               </a:ext>
             </a:extLst>
           </p:cNvPr>
@@ -7262,7 +7261,7 @@
               <p:cNvPr id="16" name="TextBox 15">
                 <a:extLst>
                   <a:ext uri="{FF2B5EF4-FFF2-40B4-BE49-F238E27FC236}">
-                    <a16:creationId xmlns:a16="http://schemas.microsoft.com/office/drawing/2014/main" xmlns="" id="{D742327A-31EF-4A5D-8D40-A284CF8349C6}"/>
+                    <a16:creationId xmlns="" xmlns:a16="http://schemas.microsoft.com/office/drawing/2014/main" id="{D742327A-31EF-4A5D-8D40-A284CF8349C6}"/>
                   </a:ext>
                 </a:extLst>
               </p:cNvPr>
@@ -7615,7 +7614,7 @@
           <p:cNvPr id="17" name="TextBox 16">
             <a:extLst>
               <a:ext uri="{FF2B5EF4-FFF2-40B4-BE49-F238E27FC236}">
-                <a16:creationId xmlns:a16="http://schemas.microsoft.com/office/drawing/2014/main" xmlns="" id="{9898967C-1E7F-4C94-8E2E-229FDB4221B5}"/>
+                <a16:creationId xmlns="" xmlns:a16="http://schemas.microsoft.com/office/drawing/2014/main" id="{9898967C-1E7F-4C94-8E2E-229FDB4221B5}"/>
               </a:ext>
             </a:extLst>
           </p:cNvPr>
@@ -7680,7 +7679,7 @@
           <p:cNvPr id="2" name="Content Placeholder 1">
             <a:extLst>
               <a:ext uri="{FF2B5EF4-FFF2-40B4-BE49-F238E27FC236}">
-                <a16:creationId xmlns:a16="http://schemas.microsoft.com/office/drawing/2014/main" xmlns="" id="{A64A1706-8061-4E9A-B8C9-BAD0F3874118}"/>
+                <a16:creationId xmlns="" xmlns:a16="http://schemas.microsoft.com/office/drawing/2014/main" id="{A64A1706-8061-4E9A-B8C9-BAD0F3874118}"/>
               </a:ext>
             </a:extLst>
           </p:cNvPr>
@@ -7745,7 +7744,7 @@
           <p:cNvPr id="5" name="Group 4">
             <a:extLst>
               <a:ext uri="{FF2B5EF4-FFF2-40B4-BE49-F238E27FC236}">
-                <a16:creationId xmlns:a16="http://schemas.microsoft.com/office/drawing/2014/main" xmlns="" id="{E16D7F05-EB86-4057-990E-0ED9277106AF}"/>
+                <a16:creationId xmlns="" xmlns:a16="http://schemas.microsoft.com/office/drawing/2014/main" id="{E16D7F05-EB86-4057-990E-0ED9277106AF}"/>
               </a:ext>
             </a:extLst>
           </p:cNvPr>
@@ -7765,7 +7764,7 @@
             <p:cNvPr id="3" name="Picture 2">
               <a:extLst>
                 <a:ext uri="{FF2B5EF4-FFF2-40B4-BE49-F238E27FC236}">
-                  <a16:creationId xmlns:a16="http://schemas.microsoft.com/office/drawing/2014/main" xmlns="" id="{BA713959-3ED9-4A84-B576-7514747924BE}"/>
+                  <a16:creationId xmlns="" xmlns:a16="http://schemas.microsoft.com/office/drawing/2014/main" id="{BA713959-3ED9-4A84-B576-7514747924BE}"/>
                 </a:ext>
               </a:extLst>
             </p:cNvPr>
@@ -7794,7 +7793,7 @@
             <p:cNvPr id="4" name="Picture 3">
               <a:extLst>
                 <a:ext uri="{FF2B5EF4-FFF2-40B4-BE49-F238E27FC236}">
-                  <a16:creationId xmlns:a16="http://schemas.microsoft.com/office/drawing/2014/main" xmlns="" id="{C252F352-7087-48E6-A8AC-B018DBC1889B}"/>
+                  <a16:creationId xmlns="" xmlns:a16="http://schemas.microsoft.com/office/drawing/2014/main" id="{C252F352-7087-48E6-A8AC-B018DBC1889B}"/>
                 </a:ext>
               </a:extLst>
             </p:cNvPr>
@@ -7824,7 +7823,7 @@
           <p:cNvPr id="7" name="Arrow: Down 6">
             <a:extLst>
               <a:ext uri="{FF2B5EF4-FFF2-40B4-BE49-F238E27FC236}">
-                <a16:creationId xmlns:a16="http://schemas.microsoft.com/office/drawing/2014/main" xmlns="" id="{254C7B10-61E8-41EA-A789-27C7B87C6129}"/>
+                <a16:creationId xmlns="" xmlns:a16="http://schemas.microsoft.com/office/drawing/2014/main" id="{254C7B10-61E8-41EA-A789-27C7B87C6129}"/>
               </a:ext>
             </a:extLst>
           </p:cNvPr>
@@ -7875,7 +7874,7 @@
           <p:cNvPr id="8" name="Arrow: Down 7">
             <a:extLst>
               <a:ext uri="{FF2B5EF4-FFF2-40B4-BE49-F238E27FC236}">
-                <a16:creationId xmlns:a16="http://schemas.microsoft.com/office/drawing/2014/main" xmlns="" id="{9CDFC08A-F757-4F9E-A53D-88B54CDB13CD}"/>
+                <a16:creationId xmlns="" xmlns:a16="http://schemas.microsoft.com/office/drawing/2014/main" id="{9CDFC08A-F757-4F9E-A53D-88B54CDB13CD}"/>
               </a:ext>
             </a:extLst>
           </p:cNvPr>
@@ -7928,7 +7927,7 @@
               <p:cNvPr id="9" name="TextBox 8">
                 <a:extLst>
                   <a:ext uri="{FF2B5EF4-FFF2-40B4-BE49-F238E27FC236}">
-                    <a16:creationId xmlns:a16="http://schemas.microsoft.com/office/drawing/2014/main" xmlns="" id="{3EAF5192-83E4-49BD-8215-3B9E72B357DB}"/>
+                    <a16:creationId xmlns="" xmlns:a16="http://schemas.microsoft.com/office/drawing/2014/main" id="{3EAF5192-83E4-49BD-8215-3B9E72B357DB}"/>
                   </a:ext>
                 </a:extLst>
               </p:cNvPr>
@@ -8088,7 +8087,7 @@
               <p:cNvPr id="10" name="TextBox 9">
                 <a:extLst>
                   <a:ext uri="{FF2B5EF4-FFF2-40B4-BE49-F238E27FC236}">
-                    <a16:creationId xmlns:a16="http://schemas.microsoft.com/office/drawing/2014/main" xmlns="" id="{23A1F844-061C-43DA-91DA-7D82F85CDBCC}"/>
+                    <a16:creationId xmlns="" xmlns:a16="http://schemas.microsoft.com/office/drawing/2014/main" id="{23A1F844-061C-43DA-91DA-7D82F85CDBCC}"/>
                   </a:ext>
                 </a:extLst>
               </p:cNvPr>
@@ -8232,7 +8231,7 @@
           <p:cNvPr id="2" name="Content Placeholder 1">
             <a:extLst>
               <a:ext uri="{FF2B5EF4-FFF2-40B4-BE49-F238E27FC236}">
-                <a16:creationId xmlns:a16="http://schemas.microsoft.com/office/drawing/2014/main" xmlns="" id="{4FB05D8E-39BC-4B84-8F56-C99E7B484A9A}"/>
+                <a16:creationId xmlns="" xmlns:a16="http://schemas.microsoft.com/office/drawing/2014/main" id="{4FB05D8E-39BC-4B84-8F56-C99E7B484A9A}"/>
               </a:ext>
             </a:extLst>
           </p:cNvPr>
@@ -8291,7 +8290,7 @@
           <p:cNvPr id="3" name="Picture 2">
             <a:extLst>
               <a:ext uri="{FF2B5EF4-FFF2-40B4-BE49-F238E27FC236}">
-                <a16:creationId xmlns:a16="http://schemas.microsoft.com/office/drawing/2014/main" xmlns="" id="{29220ECB-8194-41CA-A813-2B7E1FC18A70}"/>
+                <a16:creationId xmlns="" xmlns:a16="http://schemas.microsoft.com/office/drawing/2014/main" id="{29220ECB-8194-41CA-A813-2B7E1FC18A70}"/>
               </a:ext>
             </a:extLst>
           </p:cNvPr>
@@ -8321,7 +8320,7 @@
           <p:cNvPr id="5" name="TextBox 4">
             <a:extLst>
               <a:ext uri="{FF2B5EF4-FFF2-40B4-BE49-F238E27FC236}">
-                <a16:creationId xmlns:a16="http://schemas.microsoft.com/office/drawing/2014/main" xmlns="" id="{2111A81A-FC3F-4D8B-AFA1-23185CC8BEC9}"/>
+                <a16:creationId xmlns="" xmlns:a16="http://schemas.microsoft.com/office/drawing/2014/main" id="{2111A81A-FC3F-4D8B-AFA1-23185CC8BEC9}"/>
               </a:ext>
             </a:extLst>
           </p:cNvPr>
@@ -8356,7 +8355,7 @@
           <p:cNvPr id="6" name="Picture 5">
             <a:extLst>
               <a:ext uri="{FF2B5EF4-FFF2-40B4-BE49-F238E27FC236}">
-                <a16:creationId xmlns:a16="http://schemas.microsoft.com/office/drawing/2014/main" xmlns="" id="{90BEAE15-A4A4-4867-B6C9-F9748B4B5C02}"/>
+                <a16:creationId xmlns="" xmlns:a16="http://schemas.microsoft.com/office/drawing/2014/main" id="{90BEAE15-A4A4-4867-B6C9-F9748B4B5C02}"/>
               </a:ext>
             </a:extLst>
           </p:cNvPr>
@@ -8386,7 +8385,7 @@
           <p:cNvPr id="7" name="Picture 6">
             <a:extLst>
               <a:ext uri="{FF2B5EF4-FFF2-40B4-BE49-F238E27FC236}">
-                <a16:creationId xmlns:a16="http://schemas.microsoft.com/office/drawing/2014/main" xmlns="" id="{D27AED64-85B8-4AF9-AA6D-7FA8790BBE9C}"/>
+                <a16:creationId xmlns="" xmlns:a16="http://schemas.microsoft.com/office/drawing/2014/main" id="{D27AED64-85B8-4AF9-AA6D-7FA8790BBE9C}"/>
               </a:ext>
             </a:extLst>
           </p:cNvPr>
@@ -8416,7 +8415,7 @@
           <p:cNvPr id="8" name="TextBox 7">
             <a:extLst>
               <a:ext uri="{FF2B5EF4-FFF2-40B4-BE49-F238E27FC236}">
-                <a16:creationId xmlns:a16="http://schemas.microsoft.com/office/drawing/2014/main" xmlns="" id="{C7BEA1E8-FE76-47E3-B1B2-53F8D08C69B7}"/>
+                <a16:creationId xmlns="" xmlns:a16="http://schemas.microsoft.com/office/drawing/2014/main" id="{C7BEA1E8-FE76-47E3-B1B2-53F8D08C69B7}"/>
               </a:ext>
             </a:extLst>
           </p:cNvPr>
@@ -8481,7 +8480,7 @@
           <p:cNvPr id="2" name="Content Placeholder 1">
             <a:extLst>
               <a:ext uri="{FF2B5EF4-FFF2-40B4-BE49-F238E27FC236}">
-                <a16:creationId xmlns:a16="http://schemas.microsoft.com/office/drawing/2014/main" xmlns="" id="{E0BC4DD2-EF35-4D11-BF54-76B0FD6F6627}"/>
+                <a16:creationId xmlns="" xmlns:a16="http://schemas.microsoft.com/office/drawing/2014/main" id="{E0BC4DD2-EF35-4D11-BF54-76B0FD6F6627}"/>
               </a:ext>
             </a:extLst>
           </p:cNvPr>
@@ -8631,7 +8630,7 @@
           <p:cNvPr id="3" name="Picture 2">
             <a:extLst>
               <a:ext uri="{FF2B5EF4-FFF2-40B4-BE49-F238E27FC236}">
-                <a16:creationId xmlns:a16="http://schemas.microsoft.com/office/drawing/2014/main" xmlns="" id="{67D4EDE4-00D0-40F5-9DD9-910489D643FE}"/>
+                <a16:creationId xmlns="" xmlns:a16="http://schemas.microsoft.com/office/drawing/2014/main" id="{67D4EDE4-00D0-40F5-9DD9-910489D643FE}"/>
               </a:ext>
             </a:extLst>
           </p:cNvPr>
@@ -8661,7 +8660,7 @@
           <p:cNvPr id="7" name="TextBox 6">
             <a:extLst>
               <a:ext uri="{FF2B5EF4-FFF2-40B4-BE49-F238E27FC236}">
-                <a16:creationId xmlns:a16="http://schemas.microsoft.com/office/drawing/2014/main" xmlns="" id="{CD56D6F6-A53F-437F-8D5D-D064D8664793}"/>
+                <a16:creationId xmlns="" xmlns:a16="http://schemas.microsoft.com/office/drawing/2014/main" id="{CD56D6F6-A53F-437F-8D5D-D064D8664793}"/>
               </a:ext>
             </a:extLst>
           </p:cNvPr>
@@ -8696,7 +8695,7 @@
           <p:cNvPr id="9" name="TextBox 8">
             <a:extLst>
               <a:ext uri="{FF2B5EF4-FFF2-40B4-BE49-F238E27FC236}">
-                <a16:creationId xmlns:a16="http://schemas.microsoft.com/office/drawing/2014/main" xmlns="" id="{6D7D94D5-0ACA-409A-B813-AD2ECA3BE4A8}"/>
+                <a16:creationId xmlns="" xmlns:a16="http://schemas.microsoft.com/office/drawing/2014/main" id="{6D7D94D5-0ACA-409A-B813-AD2ECA3BE4A8}"/>
               </a:ext>
             </a:extLst>
           </p:cNvPr>
@@ -8731,7 +8730,7 @@
           <p:cNvPr id="11" name="TextBox 10">
             <a:extLst>
               <a:ext uri="{FF2B5EF4-FFF2-40B4-BE49-F238E27FC236}">
-                <a16:creationId xmlns:a16="http://schemas.microsoft.com/office/drawing/2014/main" xmlns="" id="{56DBD9A8-CDED-4535-AFB6-A0C0B073CA29}"/>
+                <a16:creationId xmlns="" xmlns:a16="http://schemas.microsoft.com/office/drawing/2014/main" id="{56DBD9A8-CDED-4535-AFB6-A0C0B073CA29}"/>
               </a:ext>
             </a:extLst>
           </p:cNvPr>
@@ -8766,7 +8765,7 @@
           <p:cNvPr id="12" name="TextBox 11">
             <a:extLst>
               <a:ext uri="{FF2B5EF4-FFF2-40B4-BE49-F238E27FC236}">
-                <a16:creationId xmlns:a16="http://schemas.microsoft.com/office/drawing/2014/main" xmlns="" id="{7E68C94F-E926-4031-B8A2-8C8011CF6678}"/>
+                <a16:creationId xmlns="" xmlns:a16="http://schemas.microsoft.com/office/drawing/2014/main" id="{7E68C94F-E926-4031-B8A2-8C8011CF6678}"/>
               </a:ext>
             </a:extLst>
           </p:cNvPr>
@@ -8801,7 +8800,7 @@
           <p:cNvPr id="13" name="TextBox 12">
             <a:extLst>
               <a:ext uri="{FF2B5EF4-FFF2-40B4-BE49-F238E27FC236}">
-                <a16:creationId xmlns:a16="http://schemas.microsoft.com/office/drawing/2014/main" xmlns="" id="{2856068D-D313-48C6-9C17-5496160EFE96}"/>
+                <a16:creationId xmlns="" xmlns:a16="http://schemas.microsoft.com/office/drawing/2014/main" id="{2856068D-D313-48C6-9C17-5496160EFE96}"/>
               </a:ext>
             </a:extLst>
           </p:cNvPr>
@@ -8844,7 +8843,7 @@
           <p:cNvPr id="14" name="Picture 13">
             <a:extLst>
               <a:ext uri="{FF2B5EF4-FFF2-40B4-BE49-F238E27FC236}">
-                <a16:creationId xmlns:a16="http://schemas.microsoft.com/office/drawing/2014/main" xmlns="" id="{768721FD-3718-434F-B805-B09B5566993F}"/>
+                <a16:creationId xmlns="" xmlns:a16="http://schemas.microsoft.com/office/drawing/2014/main" id="{768721FD-3718-434F-B805-B09B5566993F}"/>
               </a:ext>
             </a:extLst>
           </p:cNvPr>
@@ -8874,7 +8873,7 @@
           <p:cNvPr id="15" name="Picture 14">
             <a:extLst>
               <a:ext uri="{FF2B5EF4-FFF2-40B4-BE49-F238E27FC236}">
-                <a16:creationId xmlns:a16="http://schemas.microsoft.com/office/drawing/2014/main" xmlns="" id="{485B276A-A5F8-47DD-9194-F6314C1C7A7D}"/>
+                <a16:creationId xmlns="" xmlns:a16="http://schemas.microsoft.com/office/drawing/2014/main" id="{485B276A-A5F8-47DD-9194-F6314C1C7A7D}"/>
               </a:ext>
             </a:extLst>
           </p:cNvPr>
@@ -8903,7 +8902,7 @@
           <p:cNvPr id="16" name="Picture 15">
             <a:extLst>
               <a:ext uri="{FF2B5EF4-FFF2-40B4-BE49-F238E27FC236}">
-                <a16:creationId xmlns:a16="http://schemas.microsoft.com/office/drawing/2014/main" xmlns="" id="{12E2C709-40F0-4B83-B875-8E2D2FE5E694}"/>
+                <a16:creationId xmlns="" xmlns:a16="http://schemas.microsoft.com/office/drawing/2014/main" id="{12E2C709-40F0-4B83-B875-8E2D2FE5E694}"/>
               </a:ext>
             </a:extLst>
           </p:cNvPr>
@@ -8933,7 +8932,7 @@
           <p:cNvPr id="17" name="Picture 16">
             <a:extLst>
               <a:ext uri="{FF2B5EF4-FFF2-40B4-BE49-F238E27FC236}">
-                <a16:creationId xmlns:a16="http://schemas.microsoft.com/office/drawing/2014/main" xmlns="" id="{C91C7BE7-8F26-4CB4-8860-F5F01F74F2F3}"/>
+                <a16:creationId xmlns="" xmlns:a16="http://schemas.microsoft.com/office/drawing/2014/main" id="{C91C7BE7-8F26-4CB4-8860-F5F01F74F2F3}"/>
               </a:ext>
             </a:extLst>
           </p:cNvPr>
@@ -8963,7 +8962,7 @@
           <p:cNvPr id="18" name="Picture 17">
             <a:extLst>
               <a:ext uri="{FF2B5EF4-FFF2-40B4-BE49-F238E27FC236}">
-                <a16:creationId xmlns:a16="http://schemas.microsoft.com/office/drawing/2014/main" xmlns="" id="{AC8D7646-F376-44BD-BD2C-1B81C4C3F94F}"/>
+                <a16:creationId xmlns="" xmlns:a16="http://schemas.microsoft.com/office/drawing/2014/main" id="{AC8D7646-F376-44BD-BD2C-1B81C4C3F94F}"/>
               </a:ext>
             </a:extLst>
           </p:cNvPr>
@@ -9023,7 +9022,7 @@
           <p:cNvPr id="2" name="Content Placeholder 1">
             <a:extLst>
               <a:ext uri="{FF2B5EF4-FFF2-40B4-BE49-F238E27FC236}">
-                <a16:creationId xmlns:a16="http://schemas.microsoft.com/office/drawing/2014/main" xmlns="" id="{56039E5D-8C8D-44CD-9608-09B2FFA80CF3}"/>
+                <a16:creationId xmlns="" xmlns:a16="http://schemas.microsoft.com/office/drawing/2014/main" id="{56039E5D-8C8D-44CD-9608-09B2FFA80CF3}"/>
               </a:ext>
             </a:extLst>
           </p:cNvPr>
@@ -9090,7 +9089,7 @@
           <p:cNvPr id="3" name="Picture 2">
             <a:extLst>
               <a:ext uri="{FF2B5EF4-FFF2-40B4-BE49-F238E27FC236}">
-                <a16:creationId xmlns:a16="http://schemas.microsoft.com/office/drawing/2014/main" xmlns="" id="{A600DE13-9F1A-4008-93DB-8DAED069EFB0}"/>
+                <a16:creationId xmlns="" xmlns:a16="http://schemas.microsoft.com/office/drawing/2014/main" id="{A600DE13-9F1A-4008-93DB-8DAED069EFB0}"/>
               </a:ext>
             </a:extLst>
           </p:cNvPr>
@@ -9120,7 +9119,7 @@
           <p:cNvPr id="4" name="Picture 3">
             <a:extLst>
               <a:ext uri="{FF2B5EF4-FFF2-40B4-BE49-F238E27FC236}">
-                <a16:creationId xmlns:a16="http://schemas.microsoft.com/office/drawing/2014/main" xmlns="" id="{131DEC0B-F137-4147-BB02-5CC2199A1F96}"/>
+                <a16:creationId xmlns="" xmlns:a16="http://schemas.microsoft.com/office/drawing/2014/main" id="{131DEC0B-F137-4147-BB02-5CC2199A1F96}"/>
               </a:ext>
             </a:extLst>
           </p:cNvPr>
@@ -9150,7 +9149,7 @@
           <p:cNvPr id="5" name="TextBox 4">
             <a:extLst>
               <a:ext uri="{FF2B5EF4-FFF2-40B4-BE49-F238E27FC236}">
-                <a16:creationId xmlns:a16="http://schemas.microsoft.com/office/drawing/2014/main" xmlns="" id="{B57B03ED-BA44-4719-B26E-986BB16C9DD1}"/>
+                <a16:creationId xmlns="" xmlns:a16="http://schemas.microsoft.com/office/drawing/2014/main" id="{B57B03ED-BA44-4719-B26E-986BB16C9DD1}"/>
               </a:ext>
             </a:extLst>
           </p:cNvPr>
@@ -9190,7 +9189,7 @@
           <p:cNvPr id="6" name="TextBox 5">
             <a:extLst>
               <a:ext uri="{FF2B5EF4-FFF2-40B4-BE49-F238E27FC236}">
-                <a16:creationId xmlns:a16="http://schemas.microsoft.com/office/drawing/2014/main" xmlns="" id="{778BD31F-CC44-41EA-B629-02BA1DF470C4}"/>
+                <a16:creationId xmlns="" xmlns:a16="http://schemas.microsoft.com/office/drawing/2014/main" id="{778BD31F-CC44-41EA-B629-02BA1DF470C4}"/>
               </a:ext>
             </a:extLst>
           </p:cNvPr>
@@ -9269,7 +9268,7 @@
           <p:cNvPr id="2" name="Content Placeholder 1">
             <a:extLst>
               <a:ext uri="{FF2B5EF4-FFF2-40B4-BE49-F238E27FC236}">
-                <a16:creationId xmlns:a16="http://schemas.microsoft.com/office/drawing/2014/main" xmlns="" id="{4C011001-BE31-4433-AE2F-81C88D20F1EA}"/>
+                <a16:creationId xmlns="" xmlns:a16="http://schemas.microsoft.com/office/drawing/2014/main" id="{4C011001-BE31-4433-AE2F-81C88D20F1EA}"/>
               </a:ext>
             </a:extLst>
           </p:cNvPr>
@@ -9344,7 +9343,7 @@
           <p:cNvPr id="3" name="Picture 2">
             <a:extLst>
               <a:ext uri="{FF2B5EF4-FFF2-40B4-BE49-F238E27FC236}">
-                <a16:creationId xmlns:a16="http://schemas.microsoft.com/office/drawing/2014/main" xmlns="" id="{6CCA25C4-F9CC-4481-8B09-E567F69C93E5}"/>
+                <a16:creationId xmlns="" xmlns:a16="http://schemas.microsoft.com/office/drawing/2014/main" id="{6CCA25C4-F9CC-4481-8B09-E567F69C93E5}"/>
               </a:ext>
             </a:extLst>
           </p:cNvPr>
@@ -9374,7 +9373,7 @@
           <p:cNvPr id="4" name="TextBox 3">
             <a:extLst>
               <a:ext uri="{FF2B5EF4-FFF2-40B4-BE49-F238E27FC236}">
-                <a16:creationId xmlns:a16="http://schemas.microsoft.com/office/drawing/2014/main" xmlns="" id="{0CAD72D6-0A66-4094-B1AE-C305BB17BC39}"/>
+                <a16:creationId xmlns="" xmlns:a16="http://schemas.microsoft.com/office/drawing/2014/main" id="{0CAD72D6-0A66-4094-B1AE-C305BB17BC39}"/>
               </a:ext>
             </a:extLst>
           </p:cNvPr>
@@ -9439,7 +9438,7 @@
           <p:cNvPr id="2" name="Content Placeholder 1">
             <a:extLst>
               <a:ext uri="{FF2B5EF4-FFF2-40B4-BE49-F238E27FC236}">
-                <a16:creationId xmlns:a16="http://schemas.microsoft.com/office/drawing/2014/main" xmlns="" id="{9AEE5B7F-2828-4FA3-8223-9D0FB7A8284D}"/>
+                <a16:creationId xmlns="" xmlns:a16="http://schemas.microsoft.com/office/drawing/2014/main" id="{9AEE5B7F-2828-4FA3-8223-9D0FB7A8284D}"/>
               </a:ext>
             </a:extLst>
           </p:cNvPr>
@@ -9499,7 +9498,7 @@
           <p:cNvPr id="3" name="Picture 2">
             <a:extLst>
               <a:ext uri="{FF2B5EF4-FFF2-40B4-BE49-F238E27FC236}">
-                <a16:creationId xmlns:a16="http://schemas.microsoft.com/office/drawing/2014/main" xmlns="" id="{A933839E-0EE0-444A-B1D2-5F61E13052A1}"/>
+                <a16:creationId xmlns="" xmlns:a16="http://schemas.microsoft.com/office/drawing/2014/main" id="{A933839E-0EE0-444A-B1D2-5F61E13052A1}"/>
               </a:ext>
             </a:extLst>
           </p:cNvPr>
@@ -9529,7 +9528,7 @@
           <p:cNvPr id="4" name="TextBox 3">
             <a:extLst>
               <a:ext uri="{FF2B5EF4-FFF2-40B4-BE49-F238E27FC236}">
-                <a16:creationId xmlns:a16="http://schemas.microsoft.com/office/drawing/2014/main" xmlns="" id="{81D995EE-7608-474A-A304-C7F4DA363083}"/>
+                <a16:creationId xmlns="" xmlns:a16="http://schemas.microsoft.com/office/drawing/2014/main" id="{81D995EE-7608-474A-A304-C7F4DA363083}"/>
               </a:ext>
             </a:extLst>
           </p:cNvPr>
@@ -9606,7 +9605,7 @@
           <p:cNvPr id="2" name="Content Placeholder 1">
             <a:extLst>
               <a:ext uri="{FF2B5EF4-FFF2-40B4-BE49-F238E27FC236}">
-                <a16:creationId xmlns:a16="http://schemas.microsoft.com/office/drawing/2014/main" xmlns="" id="{356332EE-72E5-4C20-B565-E40FC5A6A527}"/>
+                <a16:creationId xmlns="" xmlns:a16="http://schemas.microsoft.com/office/drawing/2014/main" id="{356332EE-72E5-4C20-B565-E40FC5A6A527}"/>
               </a:ext>
             </a:extLst>
           </p:cNvPr>
@@ -9729,7 +9728,7 @@
           <p:cNvPr id="2" name="Content Placeholder 1">
             <a:extLst>
               <a:ext uri="{FF2B5EF4-FFF2-40B4-BE49-F238E27FC236}">
-                <a16:creationId xmlns:a16="http://schemas.microsoft.com/office/drawing/2014/main" xmlns="" id="{3000011D-2192-4AA6-935C-78A6BE20E1A3}"/>
+                <a16:creationId xmlns="" xmlns:a16="http://schemas.microsoft.com/office/drawing/2014/main" id="{3000011D-2192-4AA6-935C-78A6BE20E1A3}"/>
               </a:ext>
             </a:extLst>
           </p:cNvPr>
@@ -9882,7 +9881,7 @@
           <p:cNvPr id="2" name="Content Placeholder 1">
             <a:extLst>
               <a:ext uri="{FF2B5EF4-FFF2-40B4-BE49-F238E27FC236}">
-                <a16:creationId xmlns:a16="http://schemas.microsoft.com/office/drawing/2014/main" xmlns="" id="{BD386C0D-C005-47A4-8A60-337FC093EBDB}"/>
+                <a16:creationId xmlns="" xmlns:a16="http://schemas.microsoft.com/office/drawing/2014/main" id="{BD386C0D-C005-47A4-8A60-337FC093EBDB}"/>
               </a:ext>
             </a:extLst>
           </p:cNvPr>
@@ -9919,7 +9918,7 @@
           <p:cNvPr id="3" name="Rectangle: Rounded Corners 2">
             <a:extLst>
               <a:ext uri="{FF2B5EF4-FFF2-40B4-BE49-F238E27FC236}">
-                <a16:creationId xmlns:a16="http://schemas.microsoft.com/office/drawing/2014/main" xmlns="" id="{BFD615A3-A6B5-4709-884D-5D4CDC3FC6F3}"/>
+                <a16:creationId xmlns="" xmlns:a16="http://schemas.microsoft.com/office/drawing/2014/main" id="{BFD615A3-A6B5-4709-884D-5D4CDC3FC6F3}"/>
               </a:ext>
             </a:extLst>
           </p:cNvPr>
@@ -9965,7 +9964,7 @@
           <p:cNvPr id="4" name="Arrow: Right 3">
             <a:extLst>
               <a:ext uri="{FF2B5EF4-FFF2-40B4-BE49-F238E27FC236}">
-                <a16:creationId xmlns:a16="http://schemas.microsoft.com/office/drawing/2014/main" xmlns="" id="{2384D56B-368B-47FF-B57F-1EF2CC55FE57}"/>
+                <a16:creationId xmlns="" xmlns:a16="http://schemas.microsoft.com/office/drawing/2014/main" id="{2384D56B-368B-47FF-B57F-1EF2CC55FE57}"/>
               </a:ext>
             </a:extLst>
           </p:cNvPr>
@@ -10011,7 +10010,7 @@
           <p:cNvPr id="5" name="Rectangle: Rounded Corners 4">
             <a:extLst>
               <a:ext uri="{FF2B5EF4-FFF2-40B4-BE49-F238E27FC236}">
-                <a16:creationId xmlns:a16="http://schemas.microsoft.com/office/drawing/2014/main" xmlns="" id="{0943DD28-31B1-4328-93F1-5E0033DEED71}"/>
+                <a16:creationId xmlns="" xmlns:a16="http://schemas.microsoft.com/office/drawing/2014/main" id="{0943DD28-31B1-4328-93F1-5E0033DEED71}"/>
               </a:ext>
             </a:extLst>
           </p:cNvPr>
@@ -10058,7 +10057,7 @@
           <p:cNvPr id="6" name="Arrow: Right 5">
             <a:extLst>
               <a:ext uri="{FF2B5EF4-FFF2-40B4-BE49-F238E27FC236}">
-                <a16:creationId xmlns:a16="http://schemas.microsoft.com/office/drawing/2014/main" xmlns="" id="{7274C367-3318-422C-A7D3-E5C883B5E7FA}"/>
+                <a16:creationId xmlns="" xmlns:a16="http://schemas.microsoft.com/office/drawing/2014/main" id="{7274C367-3318-422C-A7D3-E5C883B5E7FA}"/>
               </a:ext>
             </a:extLst>
           </p:cNvPr>
@@ -10104,7 +10103,7 @@
           <p:cNvPr id="7" name="Rectangle: Rounded Corners 6">
             <a:extLst>
               <a:ext uri="{FF2B5EF4-FFF2-40B4-BE49-F238E27FC236}">
-                <a16:creationId xmlns:a16="http://schemas.microsoft.com/office/drawing/2014/main" xmlns="" id="{72834421-15A7-44D2-AF7F-D4BE44E99280}"/>
+                <a16:creationId xmlns="" xmlns:a16="http://schemas.microsoft.com/office/drawing/2014/main" id="{72834421-15A7-44D2-AF7F-D4BE44E99280}"/>
               </a:ext>
             </a:extLst>
           </p:cNvPr>
@@ -10139,8 +10138,12 @@
           <a:lstStyle/>
           <a:p>
             <a:r>
+              <a:rPr lang="en-US" altLang="zh-CN" dirty="0" smtClean="0"/>
+              <a:t>Divide </a:t>
+            </a:r>
+            <a:r>
               <a:rPr lang="en-US" altLang="zh-CN" dirty="0"/>
-              <a:t>Divided all</a:t>
+              <a:t>all</a:t>
             </a:r>
             <a:r>
               <a:rPr lang="zh-CN" altLang="en-US" dirty="0"/>
@@ -10207,7 +10210,7 @@
           <p:cNvPr id="8" name="Arrow: Right 7">
             <a:extLst>
               <a:ext uri="{FF2B5EF4-FFF2-40B4-BE49-F238E27FC236}">
-                <a16:creationId xmlns:a16="http://schemas.microsoft.com/office/drawing/2014/main" xmlns="" id="{1DF3DF85-FA9E-4242-99A9-E53403F6ECF3}"/>
+                <a16:creationId xmlns="" xmlns:a16="http://schemas.microsoft.com/office/drawing/2014/main" id="{1DF3DF85-FA9E-4242-99A9-E53403F6ECF3}"/>
               </a:ext>
             </a:extLst>
           </p:cNvPr>
@@ -10253,7 +10256,7 @@
           <p:cNvPr id="9" name="Rectangle: Rounded Corners 8">
             <a:extLst>
               <a:ext uri="{FF2B5EF4-FFF2-40B4-BE49-F238E27FC236}">
-                <a16:creationId xmlns:a16="http://schemas.microsoft.com/office/drawing/2014/main" xmlns="" id="{4A52E5D6-9321-41D6-A51A-58E460AA1A57}"/>
+                <a16:creationId xmlns="" xmlns:a16="http://schemas.microsoft.com/office/drawing/2014/main" id="{4A52E5D6-9321-41D6-A51A-58E460AA1A57}"/>
               </a:ext>
             </a:extLst>
           </p:cNvPr>
@@ -10288,8 +10291,12 @@
           <a:lstStyle/>
           <a:p>
             <a:r>
-              <a:rPr lang="en-US" altLang="zh-CN" dirty="0"/>
-              <a:t>Do </a:t>
+              <a:rPr lang="en-US" altLang="zh-CN" dirty="0" smtClean="0"/>
+              <a:t>Apply</a:t>
+            </a:r>
+            <a:r>
+              <a:rPr lang="zh-CN" altLang="en-US" dirty="0" smtClean="0"/>
+              <a:t> </a:t>
             </a:r>
             <a:r>
               <a:rPr lang="en-US" altLang="zh-CN" dirty="0" smtClean="0"/>
@@ -10316,7 +10323,7 @@
           <p:cNvPr id="10" name="Arrow: Right 9">
             <a:extLst>
               <a:ext uri="{FF2B5EF4-FFF2-40B4-BE49-F238E27FC236}">
-                <a16:creationId xmlns:a16="http://schemas.microsoft.com/office/drawing/2014/main" xmlns="" id="{C142EEF2-8FDB-47DF-B8A7-8B374A26146F}"/>
+                <a16:creationId xmlns="" xmlns:a16="http://schemas.microsoft.com/office/drawing/2014/main" id="{C142EEF2-8FDB-47DF-B8A7-8B374A26146F}"/>
               </a:ext>
             </a:extLst>
           </p:cNvPr>
@@ -10362,7 +10369,7 @@
           <p:cNvPr id="11" name="Rectangle: Rounded Corners 10">
             <a:extLst>
               <a:ext uri="{FF2B5EF4-FFF2-40B4-BE49-F238E27FC236}">
-                <a16:creationId xmlns:a16="http://schemas.microsoft.com/office/drawing/2014/main" xmlns="" id="{0E0D2EE8-40C1-49DC-ABF5-F750DFE12475}"/>
+                <a16:creationId xmlns="" xmlns:a16="http://schemas.microsoft.com/office/drawing/2014/main" id="{0E0D2EE8-40C1-49DC-ABF5-F750DFE12475}"/>
               </a:ext>
             </a:extLst>
           </p:cNvPr>
@@ -10457,7 +10464,7 @@
           <p:cNvPr id="13" name="Arrow: Right 12">
             <a:extLst>
               <a:ext uri="{FF2B5EF4-FFF2-40B4-BE49-F238E27FC236}">
-                <a16:creationId xmlns:a16="http://schemas.microsoft.com/office/drawing/2014/main" xmlns="" id="{DF9F29CD-96CA-4D9F-A8AA-866CEE0AADA9}"/>
+                <a16:creationId xmlns="" xmlns:a16="http://schemas.microsoft.com/office/drawing/2014/main" id="{DF9F29CD-96CA-4D9F-A8AA-866CEE0AADA9}"/>
               </a:ext>
             </a:extLst>
           </p:cNvPr>
@@ -10503,7 +10510,7 @@
           <p:cNvPr id="14" name="Rectangle: Rounded Corners 13">
             <a:extLst>
               <a:ext uri="{FF2B5EF4-FFF2-40B4-BE49-F238E27FC236}">
-                <a16:creationId xmlns:a16="http://schemas.microsoft.com/office/drawing/2014/main" xmlns="" id="{25457DC6-15AC-4D59-8783-1DB8FF35E7EA}"/>
+                <a16:creationId xmlns="" xmlns:a16="http://schemas.microsoft.com/office/drawing/2014/main" id="{25457DC6-15AC-4D59-8783-1DB8FF35E7EA}"/>
               </a:ext>
             </a:extLst>
           </p:cNvPr>
@@ -10550,7 +10557,7 @@
           <p:cNvPr id="15" name="Arrow: Right 14">
             <a:extLst>
               <a:ext uri="{FF2B5EF4-FFF2-40B4-BE49-F238E27FC236}">
-                <a16:creationId xmlns:a16="http://schemas.microsoft.com/office/drawing/2014/main" xmlns="" id="{FCA3697F-82C1-4C43-8258-9B0207583D26}"/>
+                <a16:creationId xmlns="" xmlns:a16="http://schemas.microsoft.com/office/drawing/2014/main" id="{FCA3697F-82C1-4C43-8258-9B0207583D26}"/>
               </a:ext>
             </a:extLst>
           </p:cNvPr>
@@ -10596,7 +10603,7 @@
           <p:cNvPr id="16" name="Rectangle: Rounded Corners 15">
             <a:extLst>
               <a:ext uri="{FF2B5EF4-FFF2-40B4-BE49-F238E27FC236}">
-                <a16:creationId xmlns:a16="http://schemas.microsoft.com/office/drawing/2014/main" xmlns="" id="{FEC01D2F-5B5B-4BE0-AC0E-45EFCC1BDC9D}"/>
+                <a16:creationId xmlns="" xmlns:a16="http://schemas.microsoft.com/office/drawing/2014/main" id="{FEC01D2F-5B5B-4BE0-AC0E-45EFCC1BDC9D}"/>
               </a:ext>
             </a:extLst>
           </p:cNvPr>
@@ -10673,7 +10680,7 @@
           <p:cNvPr id="2" name="Content Placeholder 1">
             <a:extLst>
               <a:ext uri="{FF2B5EF4-FFF2-40B4-BE49-F238E27FC236}">
-                <a16:creationId xmlns:a16="http://schemas.microsoft.com/office/drawing/2014/main" xmlns="" id="{43D4FDFC-C81A-436F-BB66-EBF08EDB8038}"/>
+                <a16:creationId xmlns="" xmlns:a16="http://schemas.microsoft.com/office/drawing/2014/main" id="{D80A6AA4-6FA9-4B48-9D6E-E920DF6F11C3}"/>
               </a:ext>
             </a:extLst>
           </p:cNvPr>
@@ -10689,14 +10696,350 @@
           <a:bodyPr/>
           <a:lstStyle/>
           <a:p>
-            <a:endParaRPr lang="en-US" dirty="0"/>
+            <a:r>
+              <a:rPr lang="en-US" sz="3600" dirty="0">
+                <a:solidFill>
+                  <a:schemeClr val="accent1"/>
+                </a:solidFill>
+              </a:rPr>
+              <a:t>Evaluation</a:t>
+            </a:r>
           </a:p>
         </p:txBody>
       </p:sp>
+      <p:graphicFrame>
+        <p:nvGraphicFramePr>
+          <p:cNvPr id="5" name="Table 4"/>
+          <p:cNvGraphicFramePr>
+            <a:graphicFrameLocks noGrp="1"/>
+          </p:cNvGraphicFramePr>
+          <p:nvPr>
+            <p:extLst>
+              <p:ext uri="{D42A27DB-BD31-4B8C-83A1-F6EECF244321}">
+                <p14:modId xmlns:p14="http://schemas.microsoft.com/office/powerpoint/2010/main" val="924481780"/>
+              </p:ext>
+            </p:extLst>
+          </p:nvPr>
+        </p:nvGraphicFramePr>
+        <p:xfrm>
+          <a:off x="457200" y="2135976"/>
+          <a:ext cx="8458200" cy="2969425"/>
+        </p:xfrm>
+        <a:graphic>
+          <a:graphicData uri="http://schemas.openxmlformats.org/drawingml/2006/table">
+            <a:tbl>
+              <a:tblPr firstRow="1" bandRow="1">
+                <a:tableStyleId>{9D7B26C5-4107-4FEC-AEDC-1716B250A1EF}</a:tableStyleId>
+              </a:tblPr>
+              <a:tblGrid>
+                <a:gridCol w="2956264"/>
+                <a:gridCol w="1977686"/>
+                <a:gridCol w="3524250"/>
+              </a:tblGrid>
+              <a:tr h="472902">
+                <a:tc>
+                  <a:txBody>
+                    <a:bodyPr/>
+                    <a:lstStyle/>
+                    <a:p>
+                      <a:endParaRPr lang="en-US" dirty="0"/>
+                    </a:p>
+                  </a:txBody>
+                  <a:tcPr/>
+                </a:tc>
+                <a:tc>
+                  <a:txBody>
+                    <a:bodyPr/>
+                    <a:lstStyle/>
+                    <a:p>
+                      <a:r>
+                        <a:rPr lang="en-US" altLang="zh-CN" dirty="0" smtClean="0"/>
+                        <a:t>Tesseract</a:t>
+                      </a:r>
+                      <a:endParaRPr lang="en-US" dirty="0"/>
+                    </a:p>
+                  </a:txBody>
+                  <a:tcPr/>
+                </a:tc>
+                <a:tc>
+                  <a:txBody>
+                    <a:bodyPr/>
+                    <a:lstStyle/>
+                    <a:p>
+                      <a:r>
+                        <a:rPr lang="en-US" altLang="zh-CN" dirty="0" smtClean="0"/>
+                        <a:t>Tesseract</a:t>
+                      </a:r>
+                      <a:r>
+                        <a:rPr lang="zh-CN" altLang="en-US" baseline="0" dirty="0" smtClean="0"/>
+                        <a:t> </a:t>
+                      </a:r>
+                      <a:r>
+                        <a:rPr lang="en-US" altLang="zh-CN" dirty="0" smtClean="0"/>
+                        <a:t>with</a:t>
+                      </a:r>
+                      <a:r>
+                        <a:rPr lang="zh-CN" altLang="en-US" baseline="0" dirty="0" smtClean="0"/>
+                        <a:t> </a:t>
+                      </a:r>
+                      <a:r>
+                        <a:rPr lang="en-US" altLang="zh-CN" smtClean="0"/>
+                        <a:t>postprocessing</a:t>
+                      </a:r>
+                      <a:endParaRPr lang="en-US" dirty="0"/>
+                    </a:p>
+                  </a:txBody>
+                  <a:tcPr/>
+                </a:tc>
+              </a:tr>
+              <a:tr h="472902">
+                <a:tc>
+                  <a:txBody>
+                    <a:bodyPr/>
+                    <a:lstStyle/>
+                    <a:p>
+                      <a:r>
+                        <a:rPr lang="en-US" altLang="zh-CN" dirty="0" smtClean="0"/>
+                        <a:t>Word</a:t>
+                      </a:r>
+                      <a:r>
+                        <a:rPr lang="zh-CN" altLang="en-US" baseline="0" dirty="0" smtClean="0"/>
+                        <a:t> </a:t>
+                      </a:r>
+                      <a:r>
+                        <a:rPr lang="en-US" altLang="zh-CN" dirty="0" smtClean="0"/>
+                        <a:t>wise</a:t>
+                      </a:r>
+                      <a:r>
+                        <a:rPr lang="zh-CN" altLang="en-US" baseline="0" dirty="0" smtClean="0"/>
+                        <a:t> </a:t>
+                      </a:r>
+                      <a:r>
+                        <a:rPr lang="en-US" altLang="zh-CN" dirty="0" smtClean="0"/>
+                        <a:t>recall</a:t>
+                      </a:r>
+                      <a:endParaRPr lang="en-US" dirty="0"/>
+                    </a:p>
+                  </a:txBody>
+                  <a:tcPr/>
+                </a:tc>
+                <a:tc>
+                  <a:txBody>
+                    <a:bodyPr/>
+                    <a:lstStyle/>
+                    <a:p>
+                      <a:r>
+                        <a:rPr lang="en-US" altLang="zh-CN" dirty="0" smtClean="0"/>
+                        <a:t>0.6550634</a:t>
+                      </a:r>
+                      <a:endParaRPr lang="en-US" dirty="0"/>
+                    </a:p>
+                  </a:txBody>
+                  <a:tcPr/>
+                </a:tc>
+                <a:tc>
+                  <a:txBody>
+                    <a:bodyPr/>
+                    <a:lstStyle/>
+                    <a:p>
+                      <a:r>
+                        <a:rPr lang="en-US" altLang="zh-CN" dirty="0" smtClean="0"/>
+                        <a:t>0.9457426</a:t>
+                      </a:r>
+                      <a:endParaRPr lang="en-US" dirty="0"/>
+                    </a:p>
+                  </a:txBody>
+                  <a:tcPr/>
+                </a:tc>
+              </a:tr>
+              <a:tr h="816241">
+                <a:tc>
+                  <a:txBody>
+                    <a:bodyPr/>
+                    <a:lstStyle/>
+                    <a:p>
+                      <a:r>
+                        <a:rPr lang="en-US" altLang="zh-CN" dirty="0" smtClean="0"/>
+                        <a:t>Word</a:t>
+                      </a:r>
+                      <a:r>
+                        <a:rPr lang="zh-CN" altLang="en-US" baseline="0" dirty="0" smtClean="0"/>
+                        <a:t> </a:t>
+                      </a:r>
+                      <a:r>
+                        <a:rPr lang="en-US" altLang="zh-CN" dirty="0" smtClean="0"/>
+                        <a:t>wise</a:t>
+                      </a:r>
+                      <a:r>
+                        <a:rPr lang="zh-CN" altLang="en-US" baseline="0" dirty="0" smtClean="0"/>
+                        <a:t> </a:t>
+                      </a:r>
+                      <a:r>
+                        <a:rPr lang="en-US" altLang="zh-CN" dirty="0" smtClean="0"/>
+                        <a:t>precision</a:t>
+                      </a:r>
+                      <a:endParaRPr lang="en-US" dirty="0"/>
+                    </a:p>
+                  </a:txBody>
+                  <a:tcPr/>
+                </a:tc>
+                <a:tc>
+                  <a:txBody>
+                    <a:bodyPr/>
+                    <a:lstStyle/>
+                    <a:p>
+                      <a:r>
+                        <a:rPr lang="en-US" altLang="zh-CN" dirty="0" smtClean="0"/>
+                        <a:t>0.6550634</a:t>
+                      </a:r>
+                      <a:endParaRPr lang="en-US" dirty="0"/>
+                    </a:p>
+                  </a:txBody>
+                  <a:tcPr/>
+                </a:tc>
+                <a:tc>
+                  <a:txBody>
+                    <a:bodyPr/>
+                    <a:lstStyle/>
+                    <a:p>
+                      <a:r>
+                        <a:rPr lang="en-US" altLang="zh-CN" dirty="0" smtClean="0"/>
+                        <a:t>0.9457426</a:t>
+                      </a:r>
+                      <a:endParaRPr lang="en-US" dirty="0"/>
+                    </a:p>
+                  </a:txBody>
+                  <a:tcPr/>
+                </a:tc>
+              </a:tr>
+              <a:tr h="472902">
+                <a:tc>
+                  <a:txBody>
+                    <a:bodyPr/>
+                    <a:lstStyle/>
+                    <a:p>
+                      <a:r>
+                        <a:rPr lang="en-US" altLang="zh-CN" dirty="0" smtClean="0"/>
+                        <a:t>Character</a:t>
+                      </a:r>
+                      <a:r>
+                        <a:rPr lang="zh-CN" altLang="en-US" baseline="0" dirty="0" smtClean="0"/>
+                        <a:t> </a:t>
+                      </a:r>
+                      <a:r>
+                        <a:rPr lang="en-US" altLang="zh-CN" dirty="0" smtClean="0"/>
+                        <a:t>wise</a:t>
+                      </a:r>
+                      <a:r>
+                        <a:rPr lang="zh-CN" altLang="en-US" baseline="0" dirty="0" smtClean="0"/>
+                        <a:t> </a:t>
+                      </a:r>
+                      <a:r>
+                        <a:rPr lang="en-US" altLang="zh-CN" dirty="0" smtClean="0"/>
+                        <a:t>recall</a:t>
+                      </a:r>
+                      <a:endParaRPr lang="en-US" dirty="0"/>
+                    </a:p>
+                  </a:txBody>
+                  <a:tcPr/>
+                </a:tc>
+                <a:tc>
+                  <a:txBody>
+                    <a:bodyPr/>
+                    <a:lstStyle/>
+                    <a:p>
+                      <a:r>
+                        <a:rPr lang="en-US" altLang="zh-CN" dirty="0" smtClean="0"/>
+                        <a:t>0.898704</a:t>
+                      </a:r>
+                      <a:endParaRPr lang="en-US" dirty="0"/>
+                    </a:p>
+                  </a:txBody>
+                  <a:tcPr/>
+                </a:tc>
+                <a:tc>
+                  <a:txBody>
+                    <a:bodyPr/>
+                    <a:lstStyle/>
+                    <a:p>
+                      <a:r>
+                        <a:rPr lang="en-US" altLang="zh-CN" dirty="0" smtClean="0"/>
+                        <a:t>0.9738515</a:t>
+                      </a:r>
+                      <a:endParaRPr lang="en-US" dirty="0"/>
+                    </a:p>
+                  </a:txBody>
+                  <a:tcPr/>
+                </a:tc>
+              </a:tr>
+              <a:tr h="734478">
+                <a:tc>
+                  <a:txBody>
+                    <a:bodyPr/>
+                    <a:lstStyle/>
+                    <a:p>
+                      <a:r>
+                        <a:rPr lang="en-US" altLang="zh-CN" dirty="0" smtClean="0"/>
+                        <a:t>Character</a:t>
+                      </a:r>
+                      <a:r>
+                        <a:rPr lang="zh-CN" altLang="en-US" baseline="0" dirty="0" smtClean="0"/>
+                        <a:t> </a:t>
+                      </a:r>
+                      <a:r>
+                        <a:rPr lang="en-US" altLang="zh-CN" dirty="0" smtClean="0"/>
+                        <a:t>wise</a:t>
+                      </a:r>
+                      <a:r>
+                        <a:rPr lang="zh-CN" altLang="en-US" baseline="0" dirty="0" smtClean="0"/>
+                        <a:t> </a:t>
+                      </a:r>
+                      <a:r>
+                        <a:rPr lang="en-US" altLang="zh-CN" dirty="0" smtClean="0"/>
+                        <a:t>precision</a:t>
+                      </a:r>
+                      <a:endParaRPr lang="en-US" dirty="0"/>
+                    </a:p>
+                  </a:txBody>
+                  <a:tcPr/>
+                </a:tc>
+                <a:tc>
+                  <a:txBody>
+                    <a:bodyPr/>
+                    <a:lstStyle/>
+                    <a:p>
+                      <a:r>
+                        <a:rPr lang="en-US" altLang="zh-CN" dirty="0" smtClean="0"/>
+                        <a:t>0.9227921</a:t>
+                      </a:r>
+                      <a:endParaRPr lang="en-US" dirty="0"/>
+                    </a:p>
+                  </a:txBody>
+                  <a:tcPr/>
+                </a:tc>
+                <a:tc>
+                  <a:txBody>
+                    <a:bodyPr/>
+                    <a:lstStyle/>
+                    <a:p>
+                      <a:r>
+                        <a:rPr lang="en-US" altLang="zh-CN" dirty="0" smtClean="0"/>
+                        <a:t>NA</a:t>
+                      </a:r>
+                      <a:endParaRPr lang="en-US" dirty="0"/>
+                    </a:p>
+                  </a:txBody>
+                  <a:tcPr/>
+                </a:tc>
+              </a:tr>
+            </a:tbl>
+          </a:graphicData>
+        </a:graphic>
+      </p:graphicFrame>
     </p:spTree>
     <p:extLst>
       <p:ext uri="{BB962C8B-B14F-4D97-AF65-F5344CB8AC3E}">
-        <p14:creationId xmlns:p14="http://schemas.microsoft.com/office/powerpoint/2010/main" val="3149593195"/>
+        <p14:creationId xmlns:p14="http://schemas.microsoft.com/office/powerpoint/2010/main" val="1792754831"/>
       </p:ext>
     </p:extLst>
   </p:cSld>
@@ -10728,69 +11071,7 @@
           <p:cNvPr id="2" name="Content Placeholder 1">
             <a:extLst>
               <a:ext uri="{FF2B5EF4-FFF2-40B4-BE49-F238E27FC236}">
-                <a16:creationId xmlns:a16="http://schemas.microsoft.com/office/drawing/2014/main" xmlns="" id="{D80A6AA4-6FA9-4B48-9D6E-E920DF6F11C3}"/>
-              </a:ext>
-            </a:extLst>
-          </p:cNvPr>
-          <p:cNvSpPr>
-            <a:spLocks noGrp="1"/>
-          </p:cNvSpPr>
-          <p:nvPr>
-            <p:ph/>
-          </p:nvPr>
-        </p:nvSpPr>
-        <p:spPr/>
-        <p:txBody>
-          <a:bodyPr/>
-          <a:lstStyle/>
-          <a:p>
-            <a:r>
-              <a:rPr lang="en-US" sz="3600" dirty="0">
-                <a:solidFill>
-                  <a:schemeClr val="accent1"/>
-                </a:solidFill>
-              </a:rPr>
-              <a:t>Evaluation</a:t>
-            </a:r>
-          </a:p>
-        </p:txBody>
-      </p:sp>
-    </p:spTree>
-    <p:extLst>
-      <p:ext uri="{BB962C8B-B14F-4D97-AF65-F5344CB8AC3E}">
-        <p14:creationId xmlns:p14="http://schemas.microsoft.com/office/powerpoint/2010/main" val="1792754831"/>
-      </p:ext>
-    </p:extLst>
-  </p:cSld>
-  <p:clrMapOvr>
-    <a:masterClrMapping/>
-  </p:clrMapOvr>
-</p:sld>
-</file>
-
-<file path=ppt/slides/slide22.xml><?xml version="1.0" encoding="utf-8"?>
-<p:sld xmlns:a="http://schemas.openxmlformats.org/drawingml/2006/main" xmlns:r="http://schemas.openxmlformats.org/officeDocument/2006/relationships" xmlns:p="http://schemas.openxmlformats.org/presentationml/2006/main">
-  <p:cSld>
-    <p:spTree>
-      <p:nvGrpSpPr>
-        <p:cNvPr id="1" name=""/>
-        <p:cNvGrpSpPr/>
-        <p:nvPr/>
-      </p:nvGrpSpPr>
-      <p:grpSpPr>
-        <a:xfrm>
-          <a:off x="0" y="0"/>
-          <a:ext cx="0" cy="0"/>
-          <a:chOff x="0" y="0"/>
-          <a:chExt cx="0" cy="0"/>
-        </a:xfrm>
-      </p:grpSpPr>
-      <p:sp>
-        <p:nvSpPr>
-          <p:cNvPr id="2" name="Content Placeholder 1">
-            <a:extLst>
-              <a:ext uri="{FF2B5EF4-FFF2-40B4-BE49-F238E27FC236}">
-                <a16:creationId xmlns:a16="http://schemas.microsoft.com/office/drawing/2014/main" xmlns="" id="{FFFF5F77-5764-4EFD-9A2A-3C826DF9FC1D}"/>
+                <a16:creationId xmlns="" xmlns:a16="http://schemas.microsoft.com/office/drawing/2014/main" id="{FFFF5F77-5764-4EFD-9A2A-3C826DF9FC1D}"/>
               </a:ext>
             </a:extLst>
           </p:cNvPr>
@@ -10866,7 +11147,7 @@
           <p:cNvPr id="2" name="Content Placeholder 1">
             <a:extLst>
               <a:ext uri="{FF2B5EF4-FFF2-40B4-BE49-F238E27FC236}">
-                <a16:creationId xmlns:a16="http://schemas.microsoft.com/office/drawing/2014/main" xmlns="" id="{D1C64916-FDD8-4587-BE85-C377366E7EC7}"/>
+                <a16:creationId xmlns="" xmlns:a16="http://schemas.microsoft.com/office/drawing/2014/main" id="{D1C64916-FDD8-4587-BE85-C377366E7EC7}"/>
               </a:ext>
             </a:extLst>
           </p:cNvPr>
@@ -10955,7 +11236,7 @@
           <p:cNvPr id="6" name="Group 5">
             <a:extLst>
               <a:ext uri="{FF2B5EF4-FFF2-40B4-BE49-F238E27FC236}">
-                <a16:creationId xmlns:a16="http://schemas.microsoft.com/office/drawing/2014/main" xmlns="" id="{2CE487EF-E803-4D48-AA78-251A6E507B4E}"/>
+                <a16:creationId xmlns="" xmlns:a16="http://schemas.microsoft.com/office/drawing/2014/main" id="{2CE487EF-E803-4D48-AA78-251A6E507B4E}"/>
               </a:ext>
             </a:extLst>
           </p:cNvPr>
@@ -10970,14 +11251,14 @@
             <a:chExt cx="7467600" cy="1873711"/>
           </a:xfrm>
         </p:grpSpPr>
-        <mc:AlternateContent xmlns:mc="http://schemas.openxmlformats.org/markup-compatibility/2006">
-          <mc:Choice xmlns:a14="http://schemas.microsoft.com/office/drawing/2010/main" Requires="a14">
+        <mc:AlternateContent xmlns:mc="http://schemas.openxmlformats.org/markup-compatibility/2006" xmlns:a14="http://schemas.microsoft.com/office/drawing/2010/main">
+          <mc:Choice Requires="a14">
             <p:sp>
               <p:nvSpPr>
                 <p:cNvPr id="3" name="Rectangle: Rounded Corners 2">
                   <a:extLst>
                     <a:ext uri="{FF2B5EF4-FFF2-40B4-BE49-F238E27FC236}">
-                      <a16:creationId xmlns:a16="http://schemas.microsoft.com/office/drawing/2014/main" xmlns="" id="{3236671E-54DE-41EA-A686-78AE25B7B980}"/>
+                      <a16:creationId xmlns="" xmlns:a16="http://schemas.microsoft.com/office/drawing/2014/main" id="{3236671E-54DE-41EA-A686-78AE25B7B980}"/>
                     </a:ext>
                   </a:extLst>
                 </p:cNvPr>
@@ -11123,7 +11404,7 @@
               </p:txBody>
             </p:sp>
           </mc:Choice>
-          <mc:Fallback>
+          <mc:Fallback xmlns="">
             <p:sp>
               <p:nvSpPr>
                 <p:cNvPr id="3" name="Rectangle: Rounded Corners 2">
@@ -11173,7 +11454,7 @@
             <p:cNvPr id="4" name="Arrow: Right 3">
               <a:extLst>
                 <a:ext uri="{FF2B5EF4-FFF2-40B4-BE49-F238E27FC236}">
-                  <a16:creationId xmlns:a16="http://schemas.microsoft.com/office/drawing/2014/main" xmlns="" id="{E277544D-44C6-439F-9656-C4468705C15E}"/>
+                  <a16:creationId xmlns="" xmlns:a16="http://schemas.microsoft.com/office/drawing/2014/main" id="{E277544D-44C6-439F-9656-C4468705C15E}"/>
                 </a:ext>
               </a:extLst>
             </p:cNvPr>
@@ -11214,14 +11495,14 @@
             </a:p>
           </p:txBody>
         </p:sp>
-        <mc:AlternateContent xmlns:mc="http://schemas.openxmlformats.org/markup-compatibility/2006">
-          <mc:Choice xmlns:a14="http://schemas.microsoft.com/office/drawing/2010/main" Requires="a14">
+        <mc:AlternateContent xmlns:mc="http://schemas.openxmlformats.org/markup-compatibility/2006" xmlns:a14="http://schemas.microsoft.com/office/drawing/2010/main">
+          <mc:Choice Requires="a14">
             <p:sp>
               <p:nvSpPr>
                 <p:cNvPr id="5" name="Rectangle: Rounded Corners 4">
                   <a:extLst>
                     <a:ext uri="{FF2B5EF4-FFF2-40B4-BE49-F238E27FC236}">
-                      <a16:creationId xmlns:a16="http://schemas.microsoft.com/office/drawing/2014/main" xmlns="" id="{6B1E9F3F-E265-47D6-8411-4E540C8CCEA4}"/>
+                      <a16:creationId xmlns="" xmlns:a16="http://schemas.microsoft.com/office/drawing/2014/main" id="{6B1E9F3F-E265-47D6-8411-4E540C8CCEA4}"/>
                     </a:ext>
                   </a:extLst>
                 </p:cNvPr>
@@ -11894,7 +12175,7 @@
               </p:txBody>
             </p:sp>
           </mc:Choice>
-          <mc:Fallback>
+          <mc:Fallback xmlns="">
             <p:sp>
               <p:nvSpPr>
                 <p:cNvPr id="5" name="Rectangle: Rounded Corners 4">
@@ -11975,7 +12256,7 @@
           <p:cNvPr id="2" name="Content Placeholder 1">
             <a:extLst>
               <a:ext uri="{FF2B5EF4-FFF2-40B4-BE49-F238E27FC236}">
-                <a16:creationId xmlns:a16="http://schemas.microsoft.com/office/drawing/2014/main" xmlns="" id="{AEDBE311-43C7-4470-8191-03BAAEF8AEA9}"/>
+                <a16:creationId xmlns="" xmlns:a16="http://schemas.microsoft.com/office/drawing/2014/main" id="{AEDBE311-43C7-4470-8191-03BAAEF8AEA9}"/>
               </a:ext>
             </a:extLst>
           </p:cNvPr>
@@ -12035,7 +12316,7 @@
           <p:cNvPr id="9" name="Group 8">
             <a:extLst>
               <a:ext uri="{FF2B5EF4-FFF2-40B4-BE49-F238E27FC236}">
-                <a16:creationId xmlns:a16="http://schemas.microsoft.com/office/drawing/2014/main" xmlns="" id="{7666F3A3-0C99-489F-BFCF-3168FF3DDF06}"/>
+                <a16:creationId xmlns="" xmlns:a16="http://schemas.microsoft.com/office/drawing/2014/main" id="{7666F3A3-0C99-489F-BFCF-3168FF3DDF06}"/>
               </a:ext>
             </a:extLst>
           </p:cNvPr>
@@ -12055,7 +12336,7 @@
             <p:cNvPr id="3" name="Picture 2">
               <a:extLst>
                 <a:ext uri="{FF2B5EF4-FFF2-40B4-BE49-F238E27FC236}">
-                  <a16:creationId xmlns:a16="http://schemas.microsoft.com/office/drawing/2014/main" xmlns="" id="{8F554579-43E9-477B-A4C3-90AD0F3FAD74}"/>
+                  <a16:creationId xmlns="" xmlns:a16="http://schemas.microsoft.com/office/drawing/2014/main" id="{8F554579-43E9-477B-A4C3-90AD0F3FAD74}"/>
                 </a:ext>
               </a:extLst>
             </p:cNvPr>
@@ -12083,7 +12364,7 @@
             <p:cNvPr id="4" name="Text Box 2">
               <a:extLst>
                 <a:ext uri="{FF2B5EF4-FFF2-40B4-BE49-F238E27FC236}">
-                  <a16:creationId xmlns:a16="http://schemas.microsoft.com/office/drawing/2014/main" xmlns="" id="{6DFC112D-FFC1-4620-B61F-7CBDC8E92818}"/>
+                  <a16:creationId xmlns="" xmlns:a16="http://schemas.microsoft.com/office/drawing/2014/main" id="{6DFC112D-FFC1-4620-B61F-7CBDC8E92818}"/>
                 </a:ext>
               </a:extLst>
             </p:cNvPr>
@@ -12169,7 +12450,7 @@
             <p:cNvPr id="5" name="TextBox 4">
               <a:extLst>
                 <a:ext uri="{FF2B5EF4-FFF2-40B4-BE49-F238E27FC236}">
-                  <a16:creationId xmlns:a16="http://schemas.microsoft.com/office/drawing/2014/main" xmlns="" id="{68A5ACBA-06C6-42A2-B27A-1A89D1CD35B1}"/>
+                  <a16:creationId xmlns="" xmlns:a16="http://schemas.microsoft.com/office/drawing/2014/main" id="{68A5ACBA-06C6-42A2-B27A-1A89D1CD35B1}"/>
                 </a:ext>
               </a:extLst>
             </p:cNvPr>
@@ -12213,7 +12494,7 @@
                 <p:cNvPr id="8" name="Rectangle 7">
                   <a:extLst>
                     <a:ext uri="{FF2B5EF4-FFF2-40B4-BE49-F238E27FC236}">
-                      <a16:creationId xmlns:a16="http://schemas.microsoft.com/office/drawing/2014/main" xmlns="" id="{71437BDE-DE2E-4637-B8E1-D68A928EE478}"/>
+                      <a16:creationId xmlns="" xmlns:a16="http://schemas.microsoft.com/office/drawing/2014/main" id="{71437BDE-DE2E-4637-B8E1-D68A928EE478}"/>
                     </a:ext>
                   </a:extLst>
                 </p:cNvPr>
@@ -12353,7 +12634,7 @@
           <p:cNvPr id="2" name="Content Placeholder 1">
             <a:extLst>
               <a:ext uri="{FF2B5EF4-FFF2-40B4-BE49-F238E27FC236}">
-                <a16:creationId xmlns:a16="http://schemas.microsoft.com/office/drawing/2014/main" xmlns="" id="{E5BDAB05-8815-4999-870A-EB83487F4669}"/>
+                <a16:creationId xmlns="" xmlns:a16="http://schemas.microsoft.com/office/drawing/2014/main" id="{E5BDAB05-8815-4999-870A-EB83487F4669}"/>
               </a:ext>
             </a:extLst>
           </p:cNvPr>
@@ -12418,7 +12699,7 @@
           <p:cNvPr id="23" name="Group 22">
             <a:extLst>
               <a:ext uri="{FF2B5EF4-FFF2-40B4-BE49-F238E27FC236}">
-                <a16:creationId xmlns:a16="http://schemas.microsoft.com/office/drawing/2014/main" xmlns="" id="{B9AFCD71-82EA-4164-9E5C-3A25A24D6B23}"/>
+                <a16:creationId xmlns="" xmlns:a16="http://schemas.microsoft.com/office/drawing/2014/main" id="{B9AFCD71-82EA-4164-9E5C-3A25A24D6B23}"/>
               </a:ext>
             </a:extLst>
           </p:cNvPr>
@@ -12433,14 +12714,14 @@
             <a:chExt cx="8763000" cy="3352800"/>
           </a:xfrm>
         </p:grpSpPr>
-        <mc:AlternateContent xmlns:mc="http://schemas.openxmlformats.org/markup-compatibility/2006">
-          <mc:Choice xmlns:a14="http://schemas.microsoft.com/office/drawing/2010/main" Requires="a14">
+        <mc:AlternateContent xmlns:mc="http://schemas.openxmlformats.org/markup-compatibility/2006" xmlns:a14="http://schemas.microsoft.com/office/drawing/2010/main">
+          <mc:Choice Requires="a14">
             <p:sp>
               <p:nvSpPr>
                 <p:cNvPr id="4" name="Rectangle: Rounded Corners 3">
                   <a:extLst>
                     <a:ext uri="{FF2B5EF4-FFF2-40B4-BE49-F238E27FC236}">
-                      <a16:creationId xmlns:a16="http://schemas.microsoft.com/office/drawing/2014/main" xmlns="" id="{210B4328-EF94-4D38-8D35-BE6F8494081A}"/>
+                      <a16:creationId xmlns="" xmlns:a16="http://schemas.microsoft.com/office/drawing/2014/main" id="{210B4328-EF94-4D38-8D35-BE6F8494081A}"/>
                     </a:ext>
                   </a:extLst>
                 </p:cNvPr>
@@ -12580,7 +12861,7 @@
               </p:txBody>
             </p:sp>
           </mc:Choice>
-          <mc:Fallback>
+          <mc:Fallback xmlns="">
             <p:sp>
               <p:nvSpPr>
                 <p:cNvPr id="4" name="Rectangle: Rounded Corners 3">
@@ -12630,7 +12911,7 @@
             <p:cNvPr id="9" name="Arrow: Right 8">
               <a:extLst>
                 <a:ext uri="{FF2B5EF4-FFF2-40B4-BE49-F238E27FC236}">
-                  <a16:creationId xmlns:a16="http://schemas.microsoft.com/office/drawing/2014/main" xmlns="" id="{1AADA7E5-1D83-463C-A8B4-239805FA6884}"/>
+                  <a16:creationId xmlns="" xmlns:a16="http://schemas.microsoft.com/office/drawing/2014/main" id="{1AADA7E5-1D83-463C-A8B4-239805FA6884}"/>
                 </a:ext>
               </a:extLst>
             </p:cNvPr>
@@ -12676,7 +12957,7 @@
             <p:cNvPr id="14" name="Group 13">
               <a:extLst>
                 <a:ext uri="{FF2B5EF4-FFF2-40B4-BE49-F238E27FC236}">
-                  <a16:creationId xmlns:a16="http://schemas.microsoft.com/office/drawing/2014/main" xmlns="" id="{DDA8FB84-7DC4-4D12-9CDB-EFE6DA7E3B57}"/>
+                  <a16:creationId xmlns="" xmlns:a16="http://schemas.microsoft.com/office/drawing/2014/main" id="{DDA8FB84-7DC4-4D12-9CDB-EFE6DA7E3B57}"/>
                 </a:ext>
               </a:extLst>
             </p:cNvPr>
@@ -12691,14 +12972,14 @@
               <a:chExt cx="1981200" cy="3352800"/>
             </a:xfrm>
           </p:grpSpPr>
-          <mc:AlternateContent xmlns:mc="http://schemas.openxmlformats.org/markup-compatibility/2006">
-            <mc:Choice xmlns:a14="http://schemas.microsoft.com/office/drawing/2010/main" Requires="a14">
+          <mc:AlternateContent xmlns:mc="http://schemas.openxmlformats.org/markup-compatibility/2006" xmlns:a14="http://schemas.microsoft.com/office/drawing/2010/main">
+            <mc:Choice Requires="a14">
               <p:sp>
                 <p:nvSpPr>
                   <p:cNvPr id="10" name="Rectangle: Rounded Corners 9">
                     <a:extLst>
                       <a:ext uri="{FF2B5EF4-FFF2-40B4-BE49-F238E27FC236}">
-                        <a16:creationId xmlns:a16="http://schemas.microsoft.com/office/drawing/2014/main" xmlns="" id="{77824416-191E-4325-8E24-6F44E5093AC7}"/>
+                        <a16:creationId xmlns="" xmlns:a16="http://schemas.microsoft.com/office/drawing/2014/main" id="{77824416-191E-4325-8E24-6F44E5093AC7}"/>
                       </a:ext>
                     </a:extLst>
                   </p:cNvPr>
@@ -12838,7 +13119,7 @@
                 </p:txBody>
               </p:sp>
             </mc:Choice>
-            <mc:Fallback>
+            <mc:Fallback xmlns="">
               <p:sp>
                 <p:nvSpPr>
                   <p:cNvPr id="10" name="Rectangle: Rounded Corners 9">
@@ -12883,14 +13164,14 @@
               </p:sp>
             </mc:Fallback>
           </mc:AlternateContent>
-          <mc:AlternateContent xmlns:mc="http://schemas.openxmlformats.org/markup-compatibility/2006">
-            <mc:Choice xmlns:a14="http://schemas.microsoft.com/office/drawing/2010/main" Requires="a14">
+          <mc:AlternateContent xmlns:mc="http://schemas.openxmlformats.org/markup-compatibility/2006" xmlns:a14="http://schemas.microsoft.com/office/drawing/2010/main">
+            <mc:Choice Requires="a14">
               <p:sp>
                 <p:nvSpPr>
                   <p:cNvPr id="11" name="Rectangle: Rounded Corners 10">
                     <a:extLst>
                       <a:ext uri="{FF2B5EF4-FFF2-40B4-BE49-F238E27FC236}">
-                        <a16:creationId xmlns:a16="http://schemas.microsoft.com/office/drawing/2014/main" xmlns="" id="{8595C7AA-20EF-4720-AF76-9B312CE49BC2}"/>
+                        <a16:creationId xmlns="" xmlns:a16="http://schemas.microsoft.com/office/drawing/2014/main" id="{8595C7AA-20EF-4720-AF76-9B312CE49BC2}"/>
                       </a:ext>
                     </a:extLst>
                   </p:cNvPr>
@@ -13030,7 +13311,7 @@
                 </p:txBody>
               </p:sp>
             </mc:Choice>
-            <mc:Fallback>
+            <mc:Fallback xmlns="">
               <p:sp>
                 <p:nvSpPr>
                   <p:cNvPr id="11" name="Rectangle: Rounded Corners 10">
@@ -13075,14 +13356,14 @@
               </p:sp>
             </mc:Fallback>
           </mc:AlternateContent>
-          <mc:AlternateContent xmlns:mc="http://schemas.openxmlformats.org/markup-compatibility/2006">
-            <mc:Choice xmlns:a14="http://schemas.microsoft.com/office/drawing/2010/main" Requires="a14">
+          <mc:AlternateContent xmlns:mc="http://schemas.openxmlformats.org/markup-compatibility/2006" xmlns:a14="http://schemas.microsoft.com/office/drawing/2010/main">
+            <mc:Choice Requires="a14">
               <p:sp>
                 <p:nvSpPr>
                   <p:cNvPr id="12" name="Rectangle: Rounded Corners 11">
                     <a:extLst>
                       <a:ext uri="{FF2B5EF4-FFF2-40B4-BE49-F238E27FC236}">
-                        <a16:creationId xmlns:a16="http://schemas.microsoft.com/office/drawing/2014/main" xmlns="" id="{A5B68DFB-2BF6-4A3F-8144-63C3C1C5C09B}"/>
+                        <a16:creationId xmlns="" xmlns:a16="http://schemas.microsoft.com/office/drawing/2014/main" id="{A5B68DFB-2BF6-4A3F-8144-63C3C1C5C09B}"/>
                       </a:ext>
                     </a:extLst>
                   </p:cNvPr>
@@ -13222,7 +13503,7 @@
                 </p:txBody>
               </p:sp>
             </mc:Choice>
-            <mc:Fallback>
+            <mc:Fallback xmlns="">
               <p:sp>
                 <p:nvSpPr>
                   <p:cNvPr id="12" name="Rectangle: Rounded Corners 11">
@@ -13272,7 +13553,7 @@
               <p:cNvPr id="13" name="TextBox 12">
                 <a:extLst>
                   <a:ext uri="{FF2B5EF4-FFF2-40B4-BE49-F238E27FC236}">
-                    <a16:creationId xmlns:a16="http://schemas.microsoft.com/office/drawing/2014/main" xmlns="" id="{F9AF10EB-14A7-4B9E-AFE6-A63A3CB34281}"/>
+                    <a16:creationId xmlns="" xmlns:a16="http://schemas.microsoft.com/office/drawing/2014/main" id="{F9AF10EB-14A7-4B9E-AFE6-A63A3CB34281}"/>
                   </a:ext>
                 </a:extLst>
               </p:cNvPr>
@@ -13308,7 +13589,7 @@
             <p:cNvPr id="15" name="Arrow: Right 14">
               <a:extLst>
                 <a:ext uri="{FF2B5EF4-FFF2-40B4-BE49-F238E27FC236}">
-                  <a16:creationId xmlns:a16="http://schemas.microsoft.com/office/drawing/2014/main" xmlns="" id="{3F04154F-0A84-4172-B158-6B8757FF37A3}"/>
+                  <a16:creationId xmlns="" xmlns:a16="http://schemas.microsoft.com/office/drawing/2014/main" id="{3F04154F-0A84-4172-B158-6B8757FF37A3}"/>
                 </a:ext>
               </a:extLst>
             </p:cNvPr>
@@ -13349,14 +13630,14 @@
             </a:p>
           </p:txBody>
         </p:sp>
-        <mc:AlternateContent xmlns:mc="http://schemas.openxmlformats.org/markup-compatibility/2006">
-          <mc:Choice xmlns:a14="http://schemas.microsoft.com/office/drawing/2010/main" Requires="a14">
+        <mc:AlternateContent xmlns:mc="http://schemas.openxmlformats.org/markup-compatibility/2006" xmlns:a14="http://schemas.microsoft.com/office/drawing/2010/main">
+          <mc:Choice Requires="a14">
             <p:sp>
               <p:nvSpPr>
                 <p:cNvPr id="16" name="Rectangle: Rounded Corners 15">
                   <a:extLst>
                     <a:ext uri="{FF2B5EF4-FFF2-40B4-BE49-F238E27FC236}">
-                      <a16:creationId xmlns:a16="http://schemas.microsoft.com/office/drawing/2014/main" xmlns="" id="{807037C2-2A6D-4F0F-9A18-5A6D3A724274}"/>
+                      <a16:creationId xmlns="" xmlns:a16="http://schemas.microsoft.com/office/drawing/2014/main" id="{807037C2-2A6D-4F0F-9A18-5A6D3A724274}"/>
                     </a:ext>
                   </a:extLst>
                 </p:cNvPr>
@@ -13428,7 +13709,7 @@
               </p:txBody>
             </p:sp>
           </mc:Choice>
-          <mc:Fallback>
+          <mc:Fallback xmlns="">
             <p:sp>
               <p:nvSpPr>
                 <p:cNvPr id="16" name="Rectangle: Rounded Corners 15">
@@ -13478,7 +13759,7 @@
             <p:cNvPr id="17" name="Arrow: Right 16">
               <a:extLst>
                 <a:ext uri="{FF2B5EF4-FFF2-40B4-BE49-F238E27FC236}">
-                  <a16:creationId xmlns:a16="http://schemas.microsoft.com/office/drawing/2014/main" xmlns="" id="{78864611-5E3F-4FF4-ABBD-02035B18A5CC}"/>
+                  <a16:creationId xmlns="" xmlns:a16="http://schemas.microsoft.com/office/drawing/2014/main" id="{78864611-5E3F-4FF4-ABBD-02035B18A5CC}"/>
                 </a:ext>
               </a:extLst>
             </p:cNvPr>
@@ -13519,14 +13800,14 @@
             </a:p>
           </p:txBody>
         </p:sp>
-        <mc:AlternateContent xmlns:mc="http://schemas.openxmlformats.org/markup-compatibility/2006">
-          <mc:Choice xmlns:a14="http://schemas.microsoft.com/office/drawing/2010/main" Requires="a14">
+        <mc:AlternateContent xmlns:mc="http://schemas.openxmlformats.org/markup-compatibility/2006" xmlns:a14="http://schemas.microsoft.com/office/drawing/2010/main">
+          <mc:Choice Requires="a14">
             <p:sp>
               <p:nvSpPr>
                 <p:cNvPr id="19" name="Rectangle: Rounded Corners 18">
                   <a:extLst>
                     <a:ext uri="{FF2B5EF4-FFF2-40B4-BE49-F238E27FC236}">
-                      <a16:creationId xmlns:a16="http://schemas.microsoft.com/office/drawing/2014/main" xmlns="" id="{ADFA2AEC-088E-42C0-8B23-E6BB4DDAA61C}"/>
+                      <a16:creationId xmlns="" xmlns:a16="http://schemas.microsoft.com/office/drawing/2014/main" id="{ADFA2AEC-088E-42C0-8B23-E6BB4DDAA61C}"/>
                     </a:ext>
                   </a:extLst>
                 </p:cNvPr>
@@ -13686,7 +13967,7 @@
               </p:txBody>
             </p:sp>
           </mc:Choice>
-          <mc:Fallback>
+          <mc:Fallback xmlns="">
             <p:sp>
               <p:nvSpPr>
                 <p:cNvPr id="19" name="Rectangle: Rounded Corners 18">
@@ -13736,7 +14017,7 @@
             <p:cNvPr id="21" name="Arrow: Right 20">
               <a:extLst>
                 <a:ext uri="{FF2B5EF4-FFF2-40B4-BE49-F238E27FC236}">
-                  <a16:creationId xmlns:a16="http://schemas.microsoft.com/office/drawing/2014/main" xmlns="" id="{4B5B1DCC-586E-4D24-BC38-9BD135414FB8}"/>
+                  <a16:creationId xmlns="" xmlns:a16="http://schemas.microsoft.com/office/drawing/2014/main" id="{4B5B1DCC-586E-4D24-BC38-9BD135414FB8}"/>
                 </a:ext>
               </a:extLst>
             </p:cNvPr>
@@ -13777,14 +14058,14 @@
             </a:p>
           </p:txBody>
         </p:sp>
-        <mc:AlternateContent xmlns:mc="http://schemas.openxmlformats.org/markup-compatibility/2006">
-          <mc:Choice xmlns:a14="http://schemas.microsoft.com/office/drawing/2010/main" Requires="a14">
+        <mc:AlternateContent xmlns:mc="http://schemas.openxmlformats.org/markup-compatibility/2006" xmlns:a14="http://schemas.microsoft.com/office/drawing/2010/main">
+          <mc:Choice Requires="a14">
             <p:sp>
               <p:nvSpPr>
                 <p:cNvPr id="22" name="Rectangle: Rounded Corners 21">
                   <a:extLst>
                     <a:ext uri="{FF2B5EF4-FFF2-40B4-BE49-F238E27FC236}">
-                      <a16:creationId xmlns:a16="http://schemas.microsoft.com/office/drawing/2014/main" xmlns="" id="{2C468CCB-FBDA-4686-9123-D8BEBD326C19}"/>
+                      <a16:creationId xmlns="" xmlns:a16="http://schemas.microsoft.com/office/drawing/2014/main" id="{2C468CCB-FBDA-4686-9123-D8BEBD326C19}"/>
                     </a:ext>
                   </a:extLst>
                 </p:cNvPr>
@@ -13951,7 +14232,7 @@
               </p:txBody>
             </p:sp>
           </mc:Choice>
-          <mc:Fallback>
+          <mc:Fallback xmlns="">
             <p:sp>
               <p:nvSpPr>
                 <p:cNvPr id="22" name="Rectangle: Rounded Corners 21">
@@ -14032,7 +14313,7 @@
           <p:cNvPr id="2" name="Content Placeholder 1">
             <a:extLst>
               <a:ext uri="{FF2B5EF4-FFF2-40B4-BE49-F238E27FC236}">
-                <a16:creationId xmlns:a16="http://schemas.microsoft.com/office/drawing/2014/main" xmlns="" id="{B20E4FF4-DB90-4854-8FC0-6841D7A771FF}"/>
+                <a16:creationId xmlns="" xmlns:a16="http://schemas.microsoft.com/office/drawing/2014/main" id="{B20E4FF4-DB90-4854-8FC0-6841D7A771FF}"/>
               </a:ext>
             </a:extLst>
           </p:cNvPr>
@@ -14082,14 +14363,14 @@
           </a:p>
         </p:txBody>
       </p:sp>
-      <mc:AlternateContent xmlns:mc="http://schemas.openxmlformats.org/markup-compatibility/2006">
-        <mc:Choice xmlns:a14="http://schemas.microsoft.com/office/drawing/2010/main" Requires="a14">
+      <mc:AlternateContent xmlns:mc="http://schemas.openxmlformats.org/markup-compatibility/2006" xmlns:a14="http://schemas.microsoft.com/office/drawing/2010/main">
+        <mc:Choice Requires="a14">
           <p:sp>
             <p:nvSpPr>
               <p:cNvPr id="3" name="Rectangle: Rounded Corners 2">
                 <a:extLst>
                   <a:ext uri="{FF2B5EF4-FFF2-40B4-BE49-F238E27FC236}">
-                    <a16:creationId xmlns:a16="http://schemas.microsoft.com/office/drawing/2014/main" xmlns="" id="{1D560D7D-201F-41A5-BBC8-F2E852BA2038}"/>
+                    <a16:creationId xmlns="" xmlns:a16="http://schemas.microsoft.com/office/drawing/2014/main" id="{1D560D7D-201F-41A5-BBC8-F2E852BA2038}"/>
                   </a:ext>
                 </a:extLst>
               </p:cNvPr>
@@ -14142,7 +14423,7 @@
             </p:txBody>
           </p:sp>
         </mc:Choice>
-        <mc:Fallback>
+        <mc:Fallback xmlns="">
           <p:sp>
             <p:nvSpPr>
               <p:cNvPr id="3" name="Rectangle: Rounded Corners 2">
@@ -14192,7 +14473,7 @@
           <p:cNvPr id="4" name="Arrow: Right 3">
             <a:extLst>
               <a:ext uri="{FF2B5EF4-FFF2-40B4-BE49-F238E27FC236}">
-                <a16:creationId xmlns:a16="http://schemas.microsoft.com/office/drawing/2014/main" xmlns="" id="{C2CD35E0-1A00-4321-B26C-DF771EC136A7}"/>
+                <a16:creationId xmlns="" xmlns:a16="http://schemas.microsoft.com/office/drawing/2014/main" id="{C2CD35E0-1A00-4321-B26C-DF771EC136A7}"/>
               </a:ext>
             </a:extLst>
           </p:cNvPr>
@@ -14233,14 +14514,14 @@
           </a:p>
         </p:txBody>
       </p:sp>
-      <mc:AlternateContent xmlns:mc="http://schemas.openxmlformats.org/markup-compatibility/2006">
-        <mc:Choice xmlns:a14="http://schemas.microsoft.com/office/drawing/2010/main" Requires="a14">
+      <mc:AlternateContent xmlns:mc="http://schemas.openxmlformats.org/markup-compatibility/2006" xmlns:a14="http://schemas.microsoft.com/office/drawing/2010/main">
+        <mc:Choice Requires="a14">
           <p:sp>
             <p:nvSpPr>
               <p:cNvPr id="5" name="Rectangle: Rounded Corners 4">
                 <a:extLst>
                   <a:ext uri="{FF2B5EF4-FFF2-40B4-BE49-F238E27FC236}">
-                    <a16:creationId xmlns:a16="http://schemas.microsoft.com/office/drawing/2014/main" xmlns="" id="{E2648FA5-C02E-4492-AC82-17AE0793E329}"/>
+                    <a16:creationId xmlns="" xmlns:a16="http://schemas.microsoft.com/office/drawing/2014/main" id="{E2648FA5-C02E-4492-AC82-17AE0793E329}"/>
                   </a:ext>
                 </a:extLst>
               </p:cNvPr>
@@ -14438,7 +14719,7 @@
             </p:txBody>
           </p:sp>
         </mc:Choice>
-        <mc:Fallback>
+        <mc:Fallback xmlns="">
           <p:sp>
             <p:nvSpPr>
               <p:cNvPr id="5" name="Rectangle: Rounded Corners 4">
@@ -14488,7 +14769,7 @@
           <p:cNvPr id="6" name="Arrow: Right 5">
             <a:extLst>
               <a:ext uri="{FF2B5EF4-FFF2-40B4-BE49-F238E27FC236}">
-                <a16:creationId xmlns:a16="http://schemas.microsoft.com/office/drawing/2014/main" xmlns="" id="{2D36B940-B645-4F4F-B362-A213F0A3CD27}"/>
+                <a16:creationId xmlns="" xmlns:a16="http://schemas.microsoft.com/office/drawing/2014/main" id="{2D36B940-B645-4F4F-B362-A213F0A3CD27}"/>
               </a:ext>
             </a:extLst>
           </p:cNvPr>
@@ -14529,14 +14810,14 @@
           </a:p>
         </p:txBody>
       </p:sp>
-      <mc:AlternateContent xmlns:mc="http://schemas.openxmlformats.org/markup-compatibility/2006">
-        <mc:Choice xmlns:a14="http://schemas.microsoft.com/office/drawing/2010/main" Requires="a14">
+      <mc:AlternateContent xmlns:mc="http://schemas.openxmlformats.org/markup-compatibility/2006" xmlns:a14="http://schemas.microsoft.com/office/drawing/2010/main">
+        <mc:Choice Requires="a14">
           <p:sp>
             <p:nvSpPr>
               <p:cNvPr id="7" name="Rectangle: Rounded Corners 6">
                 <a:extLst>
                   <a:ext uri="{FF2B5EF4-FFF2-40B4-BE49-F238E27FC236}">
-                    <a16:creationId xmlns:a16="http://schemas.microsoft.com/office/drawing/2014/main" xmlns="" id="{EF7A2BF4-14FC-43B6-87A6-DC3A8CF5242F}"/>
+                    <a16:creationId xmlns="" xmlns:a16="http://schemas.microsoft.com/office/drawing/2014/main" id="{EF7A2BF4-14FC-43B6-87A6-DC3A8CF5242F}"/>
                   </a:ext>
                 </a:extLst>
               </p:cNvPr>
@@ -14718,7 +14999,7 @@
             </p:txBody>
           </p:sp>
         </mc:Choice>
-        <mc:Fallback>
+        <mc:Fallback xmlns="">
           <p:sp>
             <p:nvSpPr>
               <p:cNvPr id="7" name="Rectangle: Rounded Corners 6">
@@ -14768,7 +15049,7 @@
           <p:cNvPr id="9" name="Arrow: Right 8">
             <a:extLst>
               <a:ext uri="{FF2B5EF4-FFF2-40B4-BE49-F238E27FC236}">
-                <a16:creationId xmlns:a16="http://schemas.microsoft.com/office/drawing/2014/main" xmlns="" id="{6DD0EDF2-BF42-4685-AEA8-FC2711123131}"/>
+                <a16:creationId xmlns="" xmlns:a16="http://schemas.microsoft.com/office/drawing/2014/main" id="{6DD0EDF2-BF42-4685-AEA8-FC2711123131}"/>
               </a:ext>
             </a:extLst>
           </p:cNvPr>
@@ -14814,7 +15095,7 @@
           <p:cNvPr id="12" name="Rectangle: Rounded Corners 11">
             <a:extLst>
               <a:ext uri="{FF2B5EF4-FFF2-40B4-BE49-F238E27FC236}">
-                <a16:creationId xmlns:a16="http://schemas.microsoft.com/office/drawing/2014/main" xmlns="" id="{8C9DE82D-8F9E-48CE-97D6-430581185EB6}"/>
+                <a16:creationId xmlns="" xmlns:a16="http://schemas.microsoft.com/office/drawing/2014/main" id="{8C9DE82D-8F9E-48CE-97D6-430581185EB6}"/>
               </a:ext>
             </a:extLst>
           </p:cNvPr>
@@ -14861,7 +15142,7 @@
           <p:cNvPr id="13" name="TextBox 12">
             <a:extLst>
               <a:ext uri="{FF2B5EF4-FFF2-40B4-BE49-F238E27FC236}">
-                <a16:creationId xmlns:a16="http://schemas.microsoft.com/office/drawing/2014/main" xmlns="" id="{09A509AC-5C23-4C52-9F93-4E76D03019D5}"/>
+                <a16:creationId xmlns="" xmlns:a16="http://schemas.microsoft.com/office/drawing/2014/main" id="{09A509AC-5C23-4C52-9F93-4E76D03019D5}"/>
               </a:ext>
             </a:extLst>
           </p:cNvPr>
@@ -14932,7 +15213,7 @@
           <p:cNvPr id="2" name="Content Placeholder 1">
             <a:extLst>
               <a:ext uri="{FF2B5EF4-FFF2-40B4-BE49-F238E27FC236}">
-                <a16:creationId xmlns:a16="http://schemas.microsoft.com/office/drawing/2014/main" xmlns="" id="{35E570DA-07C7-40A7-922A-A1DC1EBD0398}"/>
+                <a16:creationId xmlns="" xmlns:a16="http://schemas.microsoft.com/office/drawing/2014/main" id="{35E570DA-07C7-40A7-922A-A1DC1EBD0398}"/>
               </a:ext>
             </a:extLst>
           </p:cNvPr>
@@ -14992,7 +15273,7 @@
           <p:cNvPr id="4" name="Picture 3">
             <a:extLst>
               <a:ext uri="{FF2B5EF4-FFF2-40B4-BE49-F238E27FC236}">
-                <a16:creationId xmlns:a16="http://schemas.microsoft.com/office/drawing/2014/main" xmlns="" id="{B84A4987-9D1D-4AFD-B4FA-87902E9A2123}"/>
+                <a16:creationId xmlns="" xmlns:a16="http://schemas.microsoft.com/office/drawing/2014/main" id="{B84A4987-9D1D-4AFD-B4FA-87902E9A2123}"/>
               </a:ext>
             </a:extLst>
           </p:cNvPr>
@@ -15058,7 +15339,7 @@
           <p:cNvPr id="2" name="Content Placeholder 1">
             <a:extLst>
               <a:ext uri="{FF2B5EF4-FFF2-40B4-BE49-F238E27FC236}">
-                <a16:creationId xmlns:a16="http://schemas.microsoft.com/office/drawing/2014/main" xmlns="" id="{DD1BAE56-95ED-4683-ADFA-6D7CAABEA1FF}"/>
+                <a16:creationId xmlns="" xmlns:a16="http://schemas.microsoft.com/office/drawing/2014/main" id="{DD1BAE56-95ED-4683-ADFA-6D7CAABEA1FF}"/>
               </a:ext>
             </a:extLst>
           </p:cNvPr>
@@ -15218,7 +15499,7 @@
               <p:cNvPr id="2" name="Content Placeholder 1">
                 <a:extLst>
                   <a:ext uri="{FF2B5EF4-FFF2-40B4-BE49-F238E27FC236}">
-                    <a16:creationId xmlns:a16="http://schemas.microsoft.com/office/drawing/2014/main" xmlns="" id="{FE6F39BB-E5AC-4114-A3E9-9BDB888ACDFA}"/>
+                    <a16:creationId xmlns="" xmlns:a16="http://schemas.microsoft.com/office/drawing/2014/main" id="{FE6F39BB-E5AC-4114-A3E9-9BDB888ACDFA}"/>
                   </a:ext>
                 </a:extLst>
               </p:cNvPr>
@@ -15459,7 +15740,7 @@
           <p:cNvPr id="10" name="Group 9">
             <a:extLst>
               <a:ext uri="{FF2B5EF4-FFF2-40B4-BE49-F238E27FC236}">
-                <a16:creationId xmlns:a16="http://schemas.microsoft.com/office/drawing/2014/main" xmlns="" id="{E738625C-AA4B-404A-8CF2-14FB991DB683}"/>
+                <a16:creationId xmlns="" xmlns:a16="http://schemas.microsoft.com/office/drawing/2014/main" id="{E738625C-AA4B-404A-8CF2-14FB991DB683}"/>
               </a:ext>
             </a:extLst>
           </p:cNvPr>
@@ -15479,7 +15760,7 @@
             <p:cNvPr id="5" name="Picture 4">
               <a:extLst>
                 <a:ext uri="{FF2B5EF4-FFF2-40B4-BE49-F238E27FC236}">
-                  <a16:creationId xmlns:a16="http://schemas.microsoft.com/office/drawing/2014/main" xmlns="" id="{6AFFF668-9BA1-414C-9B3E-F5DB9A5D8EFF}"/>
+                  <a16:creationId xmlns="" xmlns:a16="http://schemas.microsoft.com/office/drawing/2014/main" id="{6AFFF668-9BA1-414C-9B3E-F5DB9A5D8EFF}"/>
                 </a:ext>
               </a:extLst>
             </p:cNvPr>
@@ -15509,7 +15790,7 @@
             <p:cNvPr id="6" name="Arrow: Down 5">
               <a:extLst>
                 <a:ext uri="{FF2B5EF4-FFF2-40B4-BE49-F238E27FC236}">
-                  <a16:creationId xmlns:a16="http://schemas.microsoft.com/office/drawing/2014/main" xmlns="" id="{95B3CE34-6BCB-43D2-B3D2-EB7E001A3030}"/>
+                  <a16:creationId xmlns="" xmlns:a16="http://schemas.microsoft.com/office/drawing/2014/main" id="{95B3CE34-6BCB-43D2-B3D2-EB7E001A3030}"/>
                 </a:ext>
               </a:extLst>
             </p:cNvPr>
@@ -15560,7 +15841,7 @@
             <p:cNvPr id="7" name="TextBox 6">
               <a:extLst>
                 <a:ext uri="{FF2B5EF4-FFF2-40B4-BE49-F238E27FC236}">
-                  <a16:creationId xmlns:a16="http://schemas.microsoft.com/office/drawing/2014/main" xmlns="" id="{FA33A31F-74CA-458C-B47B-249F867E650A}"/>
+                  <a16:creationId xmlns="" xmlns:a16="http://schemas.microsoft.com/office/drawing/2014/main" id="{FA33A31F-74CA-458C-B47B-249F867E650A}"/>
                 </a:ext>
               </a:extLst>
             </p:cNvPr>
